--- a/Presentation.pptx
+++ b/Presentation.pptx
@@ -7,6 +7,9 @@
   <p:sldIdLst>
     <p:sldId id="257" r:id="rId2"/>
     <p:sldId id="258" r:id="rId3"/>
+    <p:sldId id="259" r:id="rId4"/>
+    <p:sldId id="260" r:id="rId5"/>
+    <p:sldId id="261" r:id="rId6"/>
   </p:sldIdLst>
   <p:sldSz cx="12192000" cy="6858000"/>
   <p:notesSz cx="6858000" cy="9144000"/>
@@ -105,6 +108,11 @@
       </a:defRPr>
     </a:lvl9pPr>
   </p:defaultTextStyle>
+  <p:extLst>
+    <p:ext uri="{EFAFB233-063F-42B5-8137-9DF3F51BA10A}">
+      <p15:sldGuideLst xmlns:p15="http://schemas.microsoft.com/office/powerpoint/2012/main"/>
+    </p:ext>
+  </p:extLst>
 </p:presentation>
 </file>
 
@@ -2416,9 +2424,23 @@
 <p:sldMaster xmlns:a="http://schemas.openxmlformats.org/drawingml/2006/main" xmlns:r="http://schemas.openxmlformats.org/officeDocument/2006/relationships" xmlns:p="http://schemas.openxmlformats.org/presentationml/2006/main">
   <p:cSld>
     <p:bg>
-      <p:bgRef idx="1001">
-        <a:schemeClr val="bg1"/>
-      </p:bgRef>
+      <p:bgPr>
+        <a:gradFill flip="none" rotWithShape="1">
+          <a:gsLst>
+            <a:gs pos="62000">
+              <a:schemeClr val="bg1">
+                <a:lumMod val="98000"/>
+              </a:schemeClr>
+            </a:gs>
+            <a:gs pos="16000">
+              <a:srgbClr val="002060"/>
+            </a:gs>
+          </a:gsLst>
+          <a:lin ang="16200000" scaled="1"/>
+          <a:tileRect/>
+        </a:gradFill>
+        <a:effectLst/>
+      </p:bgPr>
     </p:bg>
     <p:spTree>
       <p:nvGrpSpPr>
@@ -2955,28 +2977,6 @@
 <file path=ppt/slides/slide1.xml><?xml version="1.0" encoding="utf-8"?>
 <p:sld xmlns:a="http://schemas.openxmlformats.org/drawingml/2006/main" xmlns:r="http://schemas.openxmlformats.org/officeDocument/2006/relationships" xmlns:p="http://schemas.openxmlformats.org/presentationml/2006/main">
   <p:cSld>
-    <p:bg>
-      <p:bgPr>
-        <a:gradFill flip="none" rotWithShape="1">
-          <a:gsLst>
-            <a:gs pos="0">
-              <a:srgbClr val="5C7770"/>
-            </a:gs>
-            <a:gs pos="62000">
-              <a:schemeClr val="bg1">
-                <a:lumMod val="98000"/>
-              </a:schemeClr>
-            </a:gs>
-            <a:gs pos="16000">
-              <a:srgbClr val="002060"/>
-            </a:gs>
-          </a:gsLst>
-          <a:lin ang="16200000" scaled="1"/>
-          <a:tileRect/>
-        </a:gradFill>
-        <a:effectLst/>
-      </p:bgPr>
-    </p:bg>
     <p:spTree>
       <p:nvGrpSpPr>
         <p:cNvPr id="1" name=""/>
@@ -2993,15 +2993,15 @@
       </p:grpSpPr>
       <p:pic>
         <p:nvPicPr>
-          <p:cNvPr id="6" name="Picture 5">
+          <p:cNvPr id="16" name="Picture 4" descr="Pin by dk esthete on phone | Wallpaper earth, Wallpaper space, Sci fi  wallpaper">
             <a:extLst>
               <a:ext uri="{FF2B5EF4-FFF2-40B4-BE49-F238E27FC236}">
-                <a16:creationId xmlns:a16="http://schemas.microsoft.com/office/drawing/2014/main" id="{AB8E4E73-09A7-1DD3-DB04-4EC9EC6EA41E}"/>
+                <a16:creationId xmlns:a16="http://schemas.microsoft.com/office/drawing/2014/main" id="{793A31A4-C2E0-2886-9301-2211A78DB244}"/>
               </a:ext>
             </a:extLst>
           </p:cNvPr>
           <p:cNvPicPr>
-            <a:picLocks noChangeAspect="1"/>
+            <a:picLocks noChangeAspect="1" noChangeArrowheads="1"/>
           </p:cNvPicPr>
           <p:nvPr/>
         </p:nvPicPr>
@@ -3011,45 +3011,29 @@
               <a:ext uri="{28A0092B-C50C-407E-A947-70E740481C1C}">
                 <a14:useLocalDpi xmlns:a14="http://schemas.microsoft.com/office/drawing/2010/main" val="0"/>
               </a:ext>
-              <a:ext uri="{837473B0-CC2E-450A-ABE3-18F120FF3D39}">
-                <a1611:picAttrSrcUrl xmlns:a1611="http://schemas.microsoft.com/office/drawing/2016/11/main" r:id="rId3"/>
-              </a:ext>
             </a:extLst>
           </a:blip>
-          <a:srcRect t="894"/>
+          <a:srcRect t="26327" b="40254"/>
           <a:stretch/>
         </p:blipFill>
-        <p:spPr>
+        <p:spPr bwMode="auto">
           <a:xfrm>
-            <a:off x="0" y="56033"/>
-            <a:ext cx="12182475" cy="6801967"/>
+            <a:off x="0" y="0"/>
+            <a:ext cx="12192000" cy="7243481"/>
           </a:xfrm>
           <a:prstGeom prst="rect">
             <a:avLst/>
           </a:prstGeom>
-          <a:gradFill flip="none" rotWithShape="1">
-            <a:gsLst>
-              <a:gs pos="23000">
-                <a:schemeClr val="bg1"/>
-              </a:gs>
-              <a:gs pos="87000">
-                <a:schemeClr val="accent1">
-                  <a:lumMod val="30000"/>
-                  <a:lumOff val="70000"/>
-                </a:schemeClr>
-              </a:gs>
-            </a:gsLst>
-            <a:path path="circle">
-              <a:fillToRect l="50000" t="50000" r="50000" b="50000"/>
-            </a:path>
-            <a:tileRect/>
-          </a:gradFill>
-          <a:ln>
-            <a:noFill/>
-          </a:ln>
-          <a:effectLst>
-            <a:softEdge rad="0"/>
-          </a:effectLst>
+          <a:noFill/>
+          <a:extLst>
+            <a:ext uri="{909E8E84-426E-40DD-AFC4-6F175D3DCCD1}">
+              <a14:hiddenFill xmlns:a14="http://schemas.microsoft.com/office/drawing/2010/main">
+                <a:solidFill>
+                  <a:srgbClr val="FFFFFF"/>
+                </a:solidFill>
+              </a14:hiddenFill>
+            </a:ext>
+          </a:extLst>
         </p:spPr>
       </p:pic>
     </p:spTree>
@@ -3062,13 +3046,13 @@
   <p:clrMapOvr>
     <a:masterClrMapping/>
   </p:clrMapOvr>
-  <mc:AlternateContent xmlns:mc="http://schemas.openxmlformats.org/markup-compatibility/2006">
-    <mc:Choice xmlns:p159="http://schemas.microsoft.com/office/powerpoint/2015/09/main" Requires="p159">
+  <mc:AlternateContent xmlns:mc="http://schemas.openxmlformats.org/markup-compatibility/2006" xmlns:p159="http://schemas.microsoft.com/office/powerpoint/2015/09/main">
+    <mc:Choice Requires="p159">
       <p:transition xmlns:p14="http://schemas.microsoft.com/office/powerpoint/2010/main" spd="slow" p14:dur="1500">
         <p159:morph option="byObject"/>
       </p:transition>
     </mc:Choice>
-    <mc:Fallback>
+    <mc:Fallback xmlns="">
       <p:transition spd="slow">
         <p:fade/>
       </p:transition>
@@ -3080,25 +3064,6 @@
 <file path=ppt/slides/slide2.xml><?xml version="1.0" encoding="utf-8"?>
 <p:sld xmlns:a="http://schemas.openxmlformats.org/drawingml/2006/main" xmlns:r="http://schemas.openxmlformats.org/officeDocument/2006/relationships" xmlns:p="http://schemas.openxmlformats.org/presentationml/2006/main">
   <p:cSld>
-    <p:bg>
-      <p:bgPr>
-        <a:gradFill flip="none" rotWithShape="1">
-          <a:gsLst>
-            <a:gs pos="62000">
-              <a:schemeClr val="bg1">
-                <a:lumMod val="98000"/>
-              </a:schemeClr>
-            </a:gs>
-            <a:gs pos="16000">
-              <a:srgbClr val="002060"/>
-            </a:gs>
-          </a:gsLst>
-          <a:lin ang="16200000" scaled="1"/>
-          <a:tileRect/>
-        </a:gradFill>
-        <a:effectLst/>
-      </p:bgPr>
-    </p:bg>
     <p:spTree>
       <p:nvGrpSpPr>
         <p:cNvPr id="1" name=""/>
@@ -3113,52 +3078,17 @@
           <a:chExt cx="0" cy="0"/>
         </a:xfrm>
       </p:grpSpPr>
-      <p:sp>
-        <p:nvSpPr>
-          <p:cNvPr id="2" name="Title 1">
+      <p:pic>
+        <p:nvPicPr>
+          <p:cNvPr id="7" name="Picture 4" descr="Pin by dk esthete on phone | Wallpaper earth, Wallpaper space, Sci fi  wallpaper">
             <a:extLst>
               <a:ext uri="{FF2B5EF4-FFF2-40B4-BE49-F238E27FC236}">
-                <a16:creationId xmlns:a16="http://schemas.microsoft.com/office/drawing/2014/main" id="{B441A7F1-2E42-1799-52FB-87317A91022C}"/>
-              </a:ext>
-            </a:extLst>
-          </p:cNvPr>
-          <p:cNvSpPr>
-            <a:spLocks noGrp="1"/>
-          </p:cNvSpPr>
-          <p:nvPr>
-            <p:ph type="ctrTitle"/>
-          </p:nvPr>
-        </p:nvSpPr>
-        <p:spPr/>
-        <p:txBody>
-          <a:bodyPr>
-            <a:normAutofit/>
-          </a:bodyPr>
-          <a:lstStyle/>
-          <a:p>
-            <a:r>
-              <a:rPr lang="en-US" b="1" dirty="0">
-                <a:latin typeface="Felix Titling" panose="04060505060202020A04" pitchFamily="82" charset="0"/>
-              </a:rPr>
-              <a:t>Atlas Quest: Country Info Showcase</a:t>
-            </a:r>
-            <a:endParaRPr lang="en-IN" b="1" dirty="0">
-              <a:latin typeface="Felix Titling" panose="04060505060202020A04" pitchFamily="82" charset="0"/>
-            </a:endParaRPr>
-          </a:p>
-        </p:txBody>
-      </p:sp>
-      <p:pic>
-        <p:nvPicPr>
-          <p:cNvPr id="6" name="Picture 5">
-            <a:extLst>
-              <a:ext uri="{FF2B5EF4-FFF2-40B4-BE49-F238E27FC236}">
-                <a16:creationId xmlns:a16="http://schemas.microsoft.com/office/drawing/2014/main" id="{AB8E4E73-09A7-1DD3-DB04-4EC9EC6EA41E}"/>
+                <a16:creationId xmlns:a16="http://schemas.microsoft.com/office/drawing/2014/main" id="{DF05D763-070F-C6CE-F204-2705F8D7CBB7}"/>
               </a:ext>
             </a:extLst>
           </p:cNvPr>
           <p:cNvPicPr>
-            <a:picLocks noChangeAspect="1"/>
+            <a:picLocks noChangeAspect="1" noChangeArrowheads="1"/>
           </p:cNvPicPr>
           <p:nvPr/>
         </p:nvPicPr>
@@ -3168,45 +3098,196 @@
               <a:ext uri="{28A0092B-C50C-407E-A947-70E740481C1C}">
                 <a14:useLocalDpi xmlns:a14="http://schemas.microsoft.com/office/drawing/2010/main" val="0"/>
               </a:ext>
-              <a:ext uri="{837473B0-CC2E-450A-ABE3-18F120FF3D39}">
-                <a1611:picAttrSrcUrl xmlns:a1611="http://schemas.microsoft.com/office/drawing/2016/11/main" r:id="rId3"/>
-              </a:ext>
             </a:extLst>
           </a:blip>
-          <a:srcRect t="894"/>
+          <a:srcRect t="26327" b="40254"/>
           <a:stretch/>
         </p:blipFill>
-        <p:spPr>
+        <p:spPr bwMode="auto">
           <a:xfrm>
-            <a:off x="9525" y="6858000"/>
-            <a:ext cx="12182475" cy="6801967"/>
+            <a:off x="0" y="3076167"/>
+            <a:ext cx="12192000" cy="7243481"/>
           </a:xfrm>
           <a:prstGeom prst="rect">
             <a:avLst/>
           </a:prstGeom>
-          <a:gradFill flip="none" rotWithShape="1">
-            <a:gsLst>
-              <a:gs pos="23000">
-                <a:schemeClr val="bg1"/>
-              </a:gs>
-              <a:gs pos="87000">
-                <a:schemeClr val="accent1">
-                  <a:lumMod val="30000"/>
-                  <a:lumOff val="70000"/>
-                </a:schemeClr>
-              </a:gs>
-            </a:gsLst>
-            <a:path path="circle">
-              <a:fillToRect l="50000" t="50000" r="50000" b="50000"/>
-            </a:path>
-            <a:tileRect/>
-          </a:gradFill>
-          <a:ln>
-            <a:noFill/>
-          </a:ln>
-          <a:effectLst>
-            <a:softEdge rad="0"/>
-          </a:effectLst>
+          <a:noFill/>
+          <a:extLst>
+            <a:ext uri="{909E8E84-426E-40DD-AFC4-6F175D3DCCD1}">
+              <a14:hiddenFill xmlns:a14="http://schemas.microsoft.com/office/drawing/2010/main">
+                <a:solidFill>
+                  <a:srgbClr val="FFFFFF"/>
+                </a:solidFill>
+              </a14:hiddenFill>
+            </a:ext>
+          </a:extLst>
+        </p:spPr>
+      </p:pic>
+      <p:sp>
+        <p:nvSpPr>
+          <p:cNvPr id="2" name="Title 1">
+            <a:extLst>
+              <a:ext uri="{FF2B5EF4-FFF2-40B4-BE49-F238E27FC236}">
+                <a16:creationId xmlns:a16="http://schemas.microsoft.com/office/drawing/2014/main" id="{B441A7F1-2E42-1799-52FB-87317A91022C}"/>
+              </a:ext>
+            </a:extLst>
+          </p:cNvPr>
+          <p:cNvSpPr>
+            <a:spLocks noGrp="1"/>
+          </p:cNvSpPr>
+          <p:nvPr>
+            <p:ph type="ctrTitle"/>
+          </p:nvPr>
+        </p:nvSpPr>
+        <p:spPr/>
+        <p:txBody>
+          <a:bodyPr>
+            <a:normAutofit/>
+          </a:bodyPr>
+          <a:lstStyle/>
+          <a:p>
+            <a:r>
+              <a:rPr lang="en-US" b="1" dirty="0">
+                <a:latin typeface="Felix Titling" panose="04060505060202020A04" pitchFamily="82" charset="0"/>
+              </a:rPr>
+              <a:t>Atlas Quest: Country Info Showcase</a:t>
+            </a:r>
+            <a:endParaRPr lang="en-IN" b="1" dirty="0">
+              <a:latin typeface="Felix Titling" panose="04060505060202020A04" pitchFamily="82" charset="0"/>
+            </a:endParaRPr>
+          </a:p>
+        </p:txBody>
+      </p:sp>
+      <p:sp>
+        <p:nvSpPr>
+          <p:cNvPr id="8" name="TextBox 7">
+            <a:extLst>
+              <a:ext uri="{FF2B5EF4-FFF2-40B4-BE49-F238E27FC236}">
+                <a16:creationId xmlns:a16="http://schemas.microsoft.com/office/drawing/2014/main" id="{59050D93-0D26-2916-665B-342CA216965D}"/>
+              </a:ext>
+            </a:extLst>
+          </p:cNvPr>
+          <p:cNvSpPr txBox="1"/>
+          <p:nvPr/>
+        </p:nvSpPr>
+        <p:spPr>
+          <a:xfrm>
+            <a:off x="0" y="3774141"/>
+            <a:ext cx="12192000" cy="1323439"/>
+          </a:xfrm>
+          <a:prstGeom prst="rect">
+            <a:avLst/>
+          </a:prstGeom>
+          <a:noFill/>
+        </p:spPr>
+        <p:txBody>
+          <a:bodyPr wrap="square" rtlCol="0">
+            <a:spAutoFit/>
+          </a:bodyPr>
+          <a:lstStyle/>
+          <a:p>
+            <a:pPr algn="ctr"/>
+            <a:r>
+              <a:rPr lang="en-US" sz="2000" dirty="0">
+                <a:latin typeface="Lucida Bright" panose="02040602050505020304" pitchFamily="18" charset="0"/>
+              </a:rPr>
+              <a:t>By:</a:t>
+            </a:r>
+          </a:p>
+          <a:p>
+            <a:pPr algn="ctr"/>
+            <a:r>
+              <a:rPr lang="en-US" sz="2000" dirty="0">
+                <a:latin typeface="Lucida Bright" panose="02040602050505020304" pitchFamily="18" charset="0"/>
+              </a:rPr>
+              <a:t>Tejas MH</a:t>
+            </a:r>
+            <a:br>
+              <a:rPr lang="en-US" sz="2000" dirty="0">
+                <a:latin typeface="Lucida Bright" panose="02040602050505020304" pitchFamily="18" charset="0"/>
+              </a:rPr>
+            </a:br>
+            <a:r>
+              <a:rPr lang="en-US" sz="2000" dirty="0">
+                <a:latin typeface="Lucida Bright" panose="02040602050505020304" pitchFamily="18" charset="0"/>
+              </a:rPr>
+              <a:t>Rajeev </a:t>
+            </a:r>
+            <a:r>
+              <a:rPr lang="en-US" sz="2000" dirty="0" err="1">
+                <a:latin typeface="Lucida Bright" panose="02040602050505020304" pitchFamily="18" charset="0"/>
+              </a:rPr>
+              <a:t>Mangalapalli</a:t>
+            </a:r>
+            <a:endParaRPr lang="en-US" sz="2000" dirty="0">
+              <a:latin typeface="Lucida Bright" panose="02040602050505020304" pitchFamily="18" charset="0"/>
+            </a:endParaRPr>
+          </a:p>
+          <a:p>
+            <a:pPr algn="ctr"/>
+            <a:r>
+              <a:rPr lang="en-US" sz="2000" dirty="0">
+                <a:latin typeface="Lucida Bright" panose="02040602050505020304" pitchFamily="18" charset="0"/>
+              </a:rPr>
+              <a:t>Kushal </a:t>
+            </a:r>
+            <a:r>
+              <a:rPr lang="en-US" sz="2000" dirty="0" err="1">
+                <a:latin typeface="Lucida Bright" panose="02040602050505020304" pitchFamily="18" charset="0"/>
+              </a:rPr>
+              <a:t>Jantli</a:t>
+            </a:r>
+            <a:endParaRPr lang="en-IN" sz="2000" dirty="0">
+              <a:latin typeface="Lucida Bright" panose="02040602050505020304" pitchFamily="18" charset="0"/>
+            </a:endParaRPr>
+          </a:p>
+        </p:txBody>
+      </p:sp>
+      <p:pic>
+        <p:nvPicPr>
+          <p:cNvPr id="2050" name="Picture 2" descr="Courses | PESU I/O">
+            <a:extLst>
+              <a:ext uri="{FF2B5EF4-FFF2-40B4-BE49-F238E27FC236}">
+                <a16:creationId xmlns:a16="http://schemas.microsoft.com/office/drawing/2014/main" id="{8A9AF166-8B7D-09FE-D9CD-E61518309625}"/>
+              </a:ext>
+            </a:extLst>
+          </p:cNvPr>
+          <p:cNvPicPr>
+            <a:picLocks noChangeAspect="1" noChangeArrowheads="1"/>
+          </p:cNvPicPr>
+          <p:nvPr/>
+        </p:nvPicPr>
+        <p:blipFill>
+          <a:blip r:embed="rId3">
+            <a:extLst>
+              <a:ext uri="{28A0092B-C50C-407E-A947-70E740481C1C}">
+                <a14:useLocalDpi xmlns:a14="http://schemas.microsoft.com/office/drawing/2010/main" val="0"/>
+              </a:ext>
+            </a:extLst>
+          </a:blip>
+          <a:srcRect/>
+          <a:stretch>
+            <a:fillRect/>
+          </a:stretch>
+        </p:blipFill>
+        <p:spPr bwMode="auto">
+          <a:xfrm>
+            <a:off x="11205882" y="160092"/>
+            <a:ext cx="804956" cy="843827"/>
+          </a:xfrm>
+          <a:prstGeom prst="rect">
+            <a:avLst/>
+          </a:prstGeom>
+          <a:noFill/>
+          <a:extLst>
+            <a:ext uri="{909E8E84-426E-40DD-AFC4-6F175D3DCCD1}">
+              <a14:hiddenFill xmlns:a14="http://schemas.microsoft.com/office/drawing/2010/main">
+                <a:solidFill>
+                  <a:srgbClr val="FFFFFF"/>
+                </a:solidFill>
+              </a14:hiddenFill>
+            </a:ext>
+          </a:extLst>
         </p:spPr>
       </p:pic>
     </p:spTree>
@@ -3219,10 +3300,116 @@
   <p:clrMapOvr>
     <a:masterClrMapping/>
   </p:clrMapOvr>
-  <mc:AlternateContent xmlns:mc="http://schemas.openxmlformats.org/markup-compatibility/2006">
-    <mc:Choice xmlns:p159="http://schemas.microsoft.com/office/powerpoint/2015/09/main" Requires="p159">
+  <mc:AlternateContent xmlns:mc="http://schemas.openxmlformats.org/markup-compatibility/2006" xmlns:p159="http://schemas.microsoft.com/office/powerpoint/2015/09/main">
+    <mc:Choice Requires="p159">
       <p:transition xmlns:p14="http://schemas.microsoft.com/office/powerpoint/2010/main" spd="slow" p14:dur="3500">
         <p159:morph option="byObject"/>
+      </p:transition>
+    </mc:Choice>
+    <mc:Fallback xmlns="">
+      <p:transition spd="slow">
+        <p:fade/>
+      </p:transition>
+    </mc:Fallback>
+  </mc:AlternateContent>
+</p:sld>
+</file>
+
+<file path=ppt/slides/slide3.xml><?xml version="1.0" encoding="utf-8"?>
+<p:sld xmlns:a="http://schemas.openxmlformats.org/drawingml/2006/main" xmlns:r="http://schemas.openxmlformats.org/officeDocument/2006/relationships" xmlns:p="http://schemas.openxmlformats.org/presentationml/2006/main">
+  <p:cSld>
+    <p:spTree>
+      <p:nvGrpSpPr>
+        <p:cNvPr id="1" name=""/>
+        <p:cNvGrpSpPr/>
+        <p:nvPr/>
+      </p:nvGrpSpPr>
+      <p:grpSpPr>
+        <a:xfrm>
+          <a:off x="0" y="0"/>
+          <a:ext cx="0" cy="0"/>
+          <a:chOff x="0" y="0"/>
+          <a:chExt cx="0" cy="0"/>
+        </a:xfrm>
+      </p:grpSpPr>
+      <p:pic>
+        <p:nvPicPr>
+          <p:cNvPr id="3074" name="Picture 2" descr="Galaxy A31 (SM-A315) | Samsung Australia">
+            <a:extLst>
+              <a:ext uri="{FF2B5EF4-FFF2-40B4-BE49-F238E27FC236}">
+                <a16:creationId xmlns:a16="http://schemas.microsoft.com/office/drawing/2014/main" id="{695934D4-1725-C84E-6287-848CAC52E58D}"/>
+              </a:ext>
+            </a:extLst>
+          </p:cNvPr>
+          <p:cNvPicPr>
+            <a:picLocks noChangeAspect="1" noChangeArrowheads="1"/>
+          </p:cNvPicPr>
+          <p:nvPr/>
+        </p:nvPicPr>
+        <p:blipFill>
+          <a:blip r:embed="rId2">
+            <a:extLst>
+              <a:ext uri="{BEBA8EAE-BF5A-486C-A8C5-ECC9F3942E4B}">
+                <a14:imgProps xmlns:a14="http://schemas.microsoft.com/office/drawing/2010/main">
+                  <a14:imgLayer r:embed="rId3">
+                    <a14:imgEffect>
+                      <a14:backgroundRemoval t="4688" b="92969" l="9896" r="89931">
+                        <a14:foregroundMark x1="20313" y1="92383" x2="38194" y2="93066"/>
+                        <a14:foregroundMark x1="38194" y1="93066" x2="54688" y2="93066"/>
+                        <a14:foregroundMark x1="54688" y1="93066" x2="54688" y2="93066"/>
+                        <a14:foregroundMark x1="17882" y1="15430" x2="39583" y2="8496"/>
+                        <a14:foregroundMark x1="39583" y1="8496" x2="55382" y2="8008"/>
+                        <a14:foregroundMark x1="55382" y1="8008" x2="58333" y2="8105"/>
+                        <a14:foregroundMark x1="52604" y1="4883" x2="42535" y2="4688"/>
+                      </a14:backgroundRemoval>
+                    </a14:imgEffect>
+                  </a14:imgLayer>
+                </a14:imgProps>
+              </a:ext>
+              <a:ext uri="{28A0092B-C50C-407E-A947-70E740481C1C}">
+                <a14:useLocalDpi xmlns:a14="http://schemas.microsoft.com/office/drawing/2010/main" val="0"/>
+              </a:ext>
+            </a:extLst>
+          </a:blip>
+          <a:srcRect/>
+          <a:stretch>
+            <a:fillRect/>
+          </a:stretch>
+        </p:blipFill>
+        <p:spPr bwMode="auto">
+          <a:xfrm>
+            <a:off x="2471586" y="-6910464"/>
+            <a:ext cx="4420999" cy="7126443"/>
+          </a:xfrm>
+          <a:prstGeom prst="rect">
+            <a:avLst/>
+          </a:prstGeom>
+          <a:noFill/>
+          <a:extLst>
+            <a:ext uri="{909E8E84-426E-40DD-AFC4-6F175D3DCCD1}">
+              <a14:hiddenFill xmlns:a14="http://schemas.microsoft.com/office/drawing/2010/main">
+                <a:solidFill>
+                  <a:srgbClr val="FFFFFF"/>
+                </a:solidFill>
+              </a14:hiddenFill>
+            </a:ext>
+          </a:extLst>
+        </p:spPr>
+      </p:pic>
+    </p:spTree>
+    <p:extLst>
+      <p:ext uri="{BB962C8B-B14F-4D97-AF65-F5344CB8AC3E}">
+        <p14:creationId xmlns:p14="http://schemas.microsoft.com/office/powerpoint/2010/main" val="1174574947"/>
+      </p:ext>
+    </p:extLst>
+  </p:cSld>
+  <p:clrMapOvr>
+    <a:masterClrMapping/>
+  </p:clrMapOvr>
+  <mc:AlternateContent xmlns:mc="http://schemas.openxmlformats.org/markup-compatibility/2006">
+    <mc:Choice xmlns:p14="http://schemas.microsoft.com/office/powerpoint/2010/main" Requires="p14">
+      <p:transition spd="slow" p14:dur="2000">
+        <p:fade/>
       </p:transition>
     </mc:Choice>
     <mc:Fallback>
@@ -3231,6 +3418,418 @@
       </p:transition>
     </mc:Fallback>
   </mc:AlternateContent>
+  <p:timing>
+    <p:tnLst>
+      <p:par>
+        <p:cTn id="1" dur="indefinite" restart="never" nodeType="tmRoot">
+          <p:childTnLst>
+            <p:seq concurrent="1" nextAc="seek">
+              <p:cTn id="2" dur="indefinite" nodeType="mainSeq">
+                <p:childTnLst>
+                  <p:par>
+                    <p:cTn id="3" fill="hold">
+                      <p:stCondLst>
+                        <p:cond delay="indefinite"/>
+                        <p:cond evt="onBegin" delay="0">
+                          <p:tn val="2"/>
+                        </p:cond>
+                      </p:stCondLst>
+                      <p:childTnLst>
+                        <p:par>
+                          <p:cTn id="4" fill="hold">
+                            <p:stCondLst>
+                              <p:cond delay="0"/>
+                            </p:stCondLst>
+                            <p:childTnLst>
+                              <p:par>
+                                <p:cTn id="5" presetID="42" presetClass="path" presetSubtype="0" accel="50000" decel="50000" fill="hold" nodeType="afterEffect">
+                                  <p:stCondLst>
+                                    <p:cond delay="0"/>
+                                  </p:stCondLst>
+                                  <p:childTnLst>
+                                    <p:animMotion origin="layout" path="M -0.00104 -0.06366 L 0.00157 1.00185 " pathEditMode="relative" rAng="0" ptsTypes="AA">
+                                      <p:cBhvr>
+                                        <p:cTn id="6" dur="700" fill="hold"/>
+                                        <p:tgtEl>
+                                          <p:spTgt spid="3074"/>
+                                        </p:tgtEl>
+                                        <p:attrNameLst>
+                                          <p:attrName>ppt_x</p:attrName>
+                                          <p:attrName>ppt_y</p:attrName>
+                                        </p:attrNameLst>
+                                      </p:cBhvr>
+                                      <p:rCtr x="130" y="53287"/>
+                                    </p:animMotion>
+                                  </p:childTnLst>
+                                </p:cTn>
+                              </p:par>
+                            </p:childTnLst>
+                          </p:cTn>
+                        </p:par>
+                        <p:par>
+                          <p:cTn id="7" fill="hold">
+                            <p:stCondLst>
+                              <p:cond delay="700"/>
+                            </p:stCondLst>
+                            <p:childTnLst>
+                              <p:par>
+                                <p:cTn id="8" presetID="37" presetClass="path" presetSubtype="0" accel="100000" fill="hold" nodeType="afterEffect">
+                                  <p:stCondLst>
+                                    <p:cond delay="0"/>
+                                  </p:stCondLst>
+                                  <p:childTnLst>
+                                    <p:animMotion origin="layout" path="M 0.00157 1.00185 L 0.0211 0.94768 C 0.02513 0.93565 0.03138 0.92963 0.03776 0.92963 C 0.04532 0.92963 0.05118 0.93565 0.05534 0.94768 L 0.0754 1.00185 " pathEditMode="relative" rAng="0" ptsTypes="AAAAA">
+                                      <p:cBhvr>
+                                        <p:cTn id="9" dur="700" fill="hold"/>
+                                        <p:tgtEl>
+                                          <p:spTgt spid="3074"/>
+                                        </p:tgtEl>
+                                        <p:attrNameLst>
+                                          <p:attrName>ppt_x</p:attrName>
+                                          <p:attrName>ppt_y</p:attrName>
+                                        </p:attrNameLst>
+                                      </p:cBhvr>
+                                      <p:rCtr x="3685" y="-3611"/>
+                                    </p:animMotion>
+                                  </p:childTnLst>
+                                </p:cTn>
+                              </p:par>
+                            </p:childTnLst>
+                          </p:cTn>
+                        </p:par>
+                        <p:par>
+                          <p:cTn id="10" fill="hold">
+                            <p:stCondLst>
+                              <p:cond delay="1400"/>
+                            </p:stCondLst>
+                            <p:childTnLst>
+                              <p:par>
+                                <p:cTn id="11" presetID="37" presetClass="path" presetSubtype="0" accel="50000" decel="50000" fill="hold" nodeType="afterEffect">
+                                  <p:stCondLst>
+                                    <p:cond delay="0"/>
+                                  </p:stCondLst>
+                                  <p:childTnLst>
+                                    <p:animMotion origin="layout" path="M 0.0754 1.00185 L 0.08868 0.9669 C 0.09154 0.95902 0.09584 0.95509 0.10013 0.95509 C 0.10521 0.95509 0.10925 0.95902 0.11211 0.9669 L 0.12566 1.00185 " pathEditMode="relative" rAng="0" ptsTypes="AAAAA">
+                                      <p:cBhvr>
+                                        <p:cTn id="12" dur="700" fill="hold"/>
+                                        <p:tgtEl>
+                                          <p:spTgt spid="3074"/>
+                                        </p:tgtEl>
+                                        <p:attrNameLst>
+                                          <p:attrName>ppt_x</p:attrName>
+                                          <p:attrName>ppt_y</p:attrName>
+                                        </p:attrNameLst>
+                                      </p:cBhvr>
+                                      <p:rCtr x="2513" y="-2338"/>
+                                    </p:animMotion>
+                                  </p:childTnLst>
+                                </p:cTn>
+                              </p:par>
+                            </p:childTnLst>
+                          </p:cTn>
+                        </p:par>
+                      </p:childTnLst>
+                    </p:cTn>
+                  </p:par>
+                </p:childTnLst>
+              </p:cTn>
+              <p:prevCondLst>
+                <p:cond evt="onPrev" delay="0">
+                  <p:tgtEl>
+                    <p:sldTgt/>
+                  </p:tgtEl>
+                </p:cond>
+              </p:prevCondLst>
+              <p:nextCondLst>
+                <p:cond evt="onNext" delay="0">
+                  <p:tgtEl>
+                    <p:sldTgt/>
+                  </p:tgtEl>
+                </p:cond>
+              </p:nextCondLst>
+            </p:seq>
+          </p:childTnLst>
+        </p:cTn>
+      </p:par>
+    </p:tnLst>
+  </p:timing>
+</p:sld>
+</file>
+
+<file path=ppt/slides/slide4.xml><?xml version="1.0" encoding="utf-8"?>
+<p:sld xmlns:a="http://schemas.openxmlformats.org/drawingml/2006/main" xmlns:r="http://schemas.openxmlformats.org/officeDocument/2006/relationships" xmlns:p="http://schemas.openxmlformats.org/presentationml/2006/main">
+  <p:cSld>
+    <p:spTree>
+      <p:nvGrpSpPr>
+        <p:cNvPr id="1" name=""/>
+        <p:cNvGrpSpPr/>
+        <p:nvPr/>
+      </p:nvGrpSpPr>
+      <p:grpSpPr>
+        <a:xfrm>
+          <a:off x="0" y="0"/>
+          <a:ext cx="0" cy="0"/>
+          <a:chOff x="0" y="0"/>
+          <a:chExt cx="0" cy="0"/>
+        </a:xfrm>
+      </p:grpSpPr>
+      <p:pic>
+        <p:nvPicPr>
+          <p:cNvPr id="2" name="Picture 2" descr="Galaxy A31 (SM-A315) | Samsung Australia">
+            <a:extLst>
+              <a:ext uri="{FF2B5EF4-FFF2-40B4-BE49-F238E27FC236}">
+                <a16:creationId xmlns:a16="http://schemas.microsoft.com/office/drawing/2014/main" id="{C260EC21-C1E6-C5FE-8534-505AC2C05CAF}"/>
+              </a:ext>
+            </a:extLst>
+          </p:cNvPr>
+          <p:cNvPicPr>
+            <a:picLocks noChangeAspect="1" noChangeArrowheads="1"/>
+          </p:cNvPicPr>
+          <p:nvPr/>
+        </p:nvPicPr>
+        <p:blipFill>
+          <a:blip r:embed="rId2">
+            <a:extLst>
+              <a:ext uri="{BEBA8EAE-BF5A-486C-A8C5-ECC9F3942E4B}">
+                <a14:imgProps xmlns:a14="http://schemas.microsoft.com/office/drawing/2010/main">
+                  <a14:imgLayer r:embed="rId3">
+                    <a14:imgEffect>
+                      <a14:backgroundRemoval t="4688" b="92969" l="9896" r="89931">
+                        <a14:foregroundMark x1="20313" y1="92383" x2="38194" y2="93066"/>
+                        <a14:foregroundMark x1="38194" y1="93066" x2="54688" y2="93066"/>
+                        <a14:foregroundMark x1="54688" y1="93066" x2="54688" y2="93066"/>
+                        <a14:foregroundMark x1="17882" y1="15430" x2="39583" y2="8496"/>
+                        <a14:foregroundMark x1="39583" y1="8496" x2="55382" y2="8008"/>
+                        <a14:foregroundMark x1="55382" y1="8008" x2="58333" y2="8105"/>
+                        <a14:foregroundMark x1="52604" y1="4883" x2="42535" y2="4688"/>
+                      </a14:backgroundRemoval>
+                    </a14:imgEffect>
+                  </a14:imgLayer>
+                </a14:imgProps>
+              </a:ext>
+              <a:ext uri="{28A0092B-C50C-407E-A947-70E740481C1C}">
+                <a14:useLocalDpi xmlns:a14="http://schemas.microsoft.com/office/drawing/2010/main" val="0"/>
+              </a:ext>
+            </a:extLst>
+          </a:blip>
+          <a:srcRect/>
+          <a:stretch>
+            <a:fillRect/>
+          </a:stretch>
+        </p:blipFill>
+        <p:spPr bwMode="auto">
+          <a:xfrm>
+            <a:off x="3993077" y="-71469"/>
+            <a:ext cx="4420999" cy="7126443"/>
+          </a:xfrm>
+          <a:prstGeom prst="rect">
+            <a:avLst/>
+          </a:prstGeom>
+          <a:noFill/>
+          <a:extLst>
+            <a:ext uri="{909E8E84-426E-40DD-AFC4-6F175D3DCCD1}">
+              <a14:hiddenFill xmlns:a14="http://schemas.microsoft.com/office/drawing/2010/main">
+                <a:solidFill>
+                  <a:srgbClr val="FFFFFF"/>
+                </a:solidFill>
+              </a14:hiddenFill>
+            </a:ext>
+          </a:extLst>
+        </p:spPr>
+      </p:pic>
+    </p:spTree>
+    <p:extLst>
+      <p:ext uri="{BB962C8B-B14F-4D97-AF65-F5344CB8AC3E}">
+        <p14:creationId xmlns:p14="http://schemas.microsoft.com/office/powerpoint/2010/main" val="2259230454"/>
+      </p:ext>
+    </p:extLst>
+  </p:cSld>
+  <p:clrMapOvr>
+    <a:masterClrMapping/>
+  </p:clrMapOvr>
+</p:sld>
+</file>
+
+<file path=ppt/slides/slide5.xml><?xml version="1.0" encoding="utf-8"?>
+<p:sld xmlns:a="http://schemas.openxmlformats.org/drawingml/2006/main" xmlns:r="http://schemas.openxmlformats.org/officeDocument/2006/relationships" xmlns:p="http://schemas.openxmlformats.org/presentationml/2006/main">
+  <p:cSld>
+    <p:spTree>
+      <p:nvGrpSpPr>
+        <p:cNvPr id="1" name=""/>
+        <p:cNvGrpSpPr/>
+        <p:nvPr/>
+      </p:nvGrpSpPr>
+      <p:grpSpPr>
+        <a:xfrm>
+          <a:off x="0" y="0"/>
+          <a:ext cx="0" cy="0"/>
+          <a:chOff x="0" y="0"/>
+          <a:chExt cx="0" cy="0"/>
+        </a:xfrm>
+      </p:grpSpPr>
+      <p:sp>
+        <p:nvSpPr>
+          <p:cNvPr id="2" name="Title 1">
+            <a:extLst>
+              <a:ext uri="{FF2B5EF4-FFF2-40B4-BE49-F238E27FC236}">
+                <a16:creationId xmlns:a16="http://schemas.microsoft.com/office/drawing/2014/main" id="{DEA0092B-61FB-5400-B510-71285610640F}"/>
+              </a:ext>
+            </a:extLst>
+          </p:cNvPr>
+          <p:cNvSpPr>
+            <a:spLocks noGrp="1"/>
+          </p:cNvSpPr>
+          <p:nvPr>
+            <p:ph type="title"/>
+          </p:nvPr>
+        </p:nvSpPr>
+        <p:spPr>
+          <a:xfrm>
+            <a:off x="838200" y="141007"/>
+            <a:ext cx="10515600" cy="1325563"/>
+          </a:xfrm>
+        </p:spPr>
+        <p:txBody>
+          <a:bodyPr/>
+          <a:lstStyle/>
+          <a:p>
+            <a:r>
+              <a:rPr lang="en-US" dirty="0">
+                <a:latin typeface="Bell MT" panose="02020503060305020303" pitchFamily="18" charset="0"/>
+              </a:rPr>
+              <a:t>Summary</a:t>
+            </a:r>
+            <a:endParaRPr lang="en-IN" dirty="0">
+              <a:latin typeface="Bell MT" panose="02020503060305020303" pitchFamily="18" charset="0"/>
+            </a:endParaRPr>
+          </a:p>
+        </p:txBody>
+      </p:sp>
+      <p:sp>
+        <p:nvSpPr>
+          <p:cNvPr id="3" name="Content Placeholder 2">
+            <a:extLst>
+              <a:ext uri="{FF2B5EF4-FFF2-40B4-BE49-F238E27FC236}">
+                <a16:creationId xmlns:a16="http://schemas.microsoft.com/office/drawing/2014/main" id="{7B1E6EA7-EDCC-8015-E8BE-51E45A4515C6}"/>
+              </a:ext>
+            </a:extLst>
+          </p:cNvPr>
+          <p:cNvSpPr>
+            <a:spLocks noGrp="1"/>
+          </p:cNvSpPr>
+          <p:nvPr>
+            <p:ph idx="1"/>
+          </p:nvPr>
+        </p:nvSpPr>
+        <p:spPr>
+          <a:xfrm>
+            <a:off x="838200" y="1335741"/>
+            <a:ext cx="10515600" cy="5181600"/>
+          </a:xfrm>
+        </p:spPr>
+        <p:txBody>
+          <a:bodyPr/>
+          <a:lstStyle/>
+          <a:p>
+            <a:pPr marL="0" indent="0">
+              <a:buNone/>
+            </a:pPr>
+            <a:r>
+              <a:rPr lang="en-US" dirty="0">
+                <a:latin typeface="Bell MT" panose="02020503060305020303" pitchFamily="18" charset="0"/>
+              </a:rPr>
+              <a:t>As we reach the end of our Flutter Primer course organized by PESU I/O, we have created a </a:t>
+            </a:r>
+            <a:r>
+              <a:rPr lang="en-US" dirty="0" err="1">
+                <a:latin typeface="Bell MT" panose="02020503060305020303" pitchFamily="18" charset="0"/>
+              </a:rPr>
+              <a:t>fullstack</a:t>
+            </a:r>
+            <a:r>
+              <a:rPr lang="en-US" dirty="0">
+                <a:latin typeface="Bell MT" panose="02020503060305020303" pitchFamily="18" charset="0"/>
+              </a:rPr>
+              <a:t> app for our final project.</a:t>
+            </a:r>
+          </a:p>
+          <a:p>
+            <a:pPr marL="0" indent="0">
+              <a:buNone/>
+            </a:pPr>
+            <a:r>
+              <a:rPr lang="en-US" dirty="0">
+                <a:latin typeface="Bell MT" panose="02020503060305020303" pitchFamily="18" charset="0"/>
+              </a:rPr>
+              <a:t>The app was coded on Dart programming language, using Flutter Framework and </a:t>
+            </a:r>
+            <a:r>
+              <a:rPr lang="en-US">
+                <a:latin typeface="Bell MT" panose="02020503060305020303" pitchFamily="18" charset="0"/>
+              </a:rPr>
+              <a:t>REST Countries </a:t>
+            </a:r>
+            <a:r>
+              <a:rPr lang="en-US" dirty="0">
+                <a:latin typeface="Bell MT" panose="02020503060305020303" pitchFamily="18" charset="0"/>
+              </a:rPr>
+              <a:t>API.</a:t>
+            </a:r>
+          </a:p>
+          <a:p>
+            <a:pPr marL="0" indent="0">
+              <a:buNone/>
+            </a:pPr>
+            <a:r>
+              <a:rPr lang="en-US" dirty="0">
+                <a:latin typeface="Bell MT" panose="02020503060305020303" pitchFamily="18" charset="0"/>
+              </a:rPr>
+              <a:t>The app accepts a country name as the input and displays information about the country such as it’s capital city, currency, languages spoken and much more.</a:t>
+            </a:r>
+          </a:p>
+          <a:p>
+            <a:pPr marL="0" indent="0">
+              <a:buNone/>
+            </a:pPr>
+            <a:r>
+              <a:rPr lang="en-US" dirty="0">
+                <a:latin typeface="Bell MT" panose="02020503060305020303" pitchFamily="18" charset="0"/>
+              </a:rPr>
+              <a:t>It also provides an error message if a country that does not exist is entered. </a:t>
+            </a:r>
+          </a:p>
+          <a:p>
+            <a:pPr marL="0" indent="0">
+              <a:buNone/>
+            </a:pPr>
+            <a:r>
+              <a:rPr lang="en-US" dirty="0">
+                <a:latin typeface="Bell MT" panose="02020503060305020303" pitchFamily="18" charset="0"/>
+              </a:rPr>
+              <a:t>The app can be used for a quick fact check and to improve your knowledge about the countries of the world</a:t>
+            </a:r>
+            <a:r>
+              <a:rPr lang="en-IN" dirty="0">
+                <a:latin typeface="Bell MT" panose="02020503060305020303" pitchFamily="18" charset="0"/>
+              </a:rPr>
+              <a:t>.</a:t>
+            </a:r>
+            <a:endParaRPr lang="en-US" dirty="0">
+              <a:latin typeface="Bell MT" panose="02020503060305020303" pitchFamily="18" charset="0"/>
+            </a:endParaRPr>
+          </a:p>
+        </p:txBody>
+      </p:sp>
+    </p:spTree>
+    <p:extLst>
+      <p:ext uri="{BB962C8B-B14F-4D97-AF65-F5344CB8AC3E}">
+        <p14:creationId xmlns:p14="http://schemas.microsoft.com/office/powerpoint/2010/main" val="2964718216"/>
+      </p:ext>
+    </p:extLst>
+  </p:cSld>
+  <p:clrMapOvr>
+    <a:masterClrMapping/>
+  </p:clrMapOvr>
 </p:sld>
 </file>
 

--- a/Presentation.pptx
+++ b/Presentation.pptx
@@ -10,6 +10,8 @@
     <p:sldId id="259" r:id="rId4"/>
     <p:sldId id="260" r:id="rId5"/>
     <p:sldId id="261" r:id="rId6"/>
+    <p:sldId id="262" r:id="rId7"/>
+    <p:sldId id="263" r:id="rId8"/>
   </p:sldIdLst>
   <p:sldSz cx="12192000" cy="6858000"/>
   <p:notesSz cx="6858000" cy="9144000"/>
@@ -247,7 +249,7 @@
           <a:p>
             <a:fld id="{00473C38-D65E-435F-87B3-D0F7A89E55D5}" type="datetimeFigureOut">
               <a:rPr lang="en-IN" smtClean="0"/>
-              <a:t>05-10-2023</a:t>
+              <a:t>07-10-2023</a:t>
             </a:fld>
             <a:endParaRPr lang="en-IN"/>
           </a:p>
@@ -417,7 +419,7 @@
           <a:p>
             <a:fld id="{00473C38-D65E-435F-87B3-D0F7A89E55D5}" type="datetimeFigureOut">
               <a:rPr lang="en-IN" smtClean="0"/>
-              <a:t>05-10-2023</a:t>
+              <a:t>07-10-2023</a:t>
             </a:fld>
             <a:endParaRPr lang="en-IN"/>
           </a:p>
@@ -597,7 +599,7 @@
           <a:p>
             <a:fld id="{00473C38-D65E-435F-87B3-D0F7A89E55D5}" type="datetimeFigureOut">
               <a:rPr lang="en-IN" smtClean="0"/>
-              <a:t>05-10-2023</a:t>
+              <a:t>07-10-2023</a:t>
             </a:fld>
             <a:endParaRPr lang="en-IN"/>
           </a:p>
@@ -767,7 +769,7 @@
           <a:p>
             <a:fld id="{00473C38-D65E-435F-87B3-D0F7A89E55D5}" type="datetimeFigureOut">
               <a:rPr lang="en-IN" smtClean="0"/>
-              <a:t>05-10-2023</a:t>
+              <a:t>07-10-2023</a:t>
             </a:fld>
             <a:endParaRPr lang="en-IN"/>
           </a:p>
@@ -1013,7 +1015,7 @@
           <a:p>
             <a:fld id="{00473C38-D65E-435F-87B3-D0F7A89E55D5}" type="datetimeFigureOut">
               <a:rPr lang="en-IN" smtClean="0"/>
-              <a:t>05-10-2023</a:t>
+              <a:t>07-10-2023</a:t>
             </a:fld>
             <a:endParaRPr lang="en-IN"/>
           </a:p>
@@ -1245,7 +1247,7 @@
           <a:p>
             <a:fld id="{00473C38-D65E-435F-87B3-D0F7A89E55D5}" type="datetimeFigureOut">
               <a:rPr lang="en-IN" smtClean="0"/>
-              <a:t>05-10-2023</a:t>
+              <a:t>07-10-2023</a:t>
             </a:fld>
             <a:endParaRPr lang="en-IN"/>
           </a:p>
@@ -1612,7 +1614,7 @@
           <a:p>
             <a:fld id="{00473C38-D65E-435F-87B3-D0F7A89E55D5}" type="datetimeFigureOut">
               <a:rPr lang="en-IN" smtClean="0"/>
-              <a:t>05-10-2023</a:t>
+              <a:t>07-10-2023</a:t>
             </a:fld>
             <a:endParaRPr lang="en-IN"/>
           </a:p>
@@ -1730,7 +1732,7 @@
           <a:p>
             <a:fld id="{00473C38-D65E-435F-87B3-D0F7A89E55D5}" type="datetimeFigureOut">
               <a:rPr lang="en-IN" smtClean="0"/>
-              <a:t>05-10-2023</a:t>
+              <a:t>07-10-2023</a:t>
             </a:fld>
             <a:endParaRPr lang="en-IN"/>
           </a:p>
@@ -1825,7 +1827,7 @@
           <a:p>
             <a:fld id="{00473C38-D65E-435F-87B3-D0F7A89E55D5}" type="datetimeFigureOut">
               <a:rPr lang="en-IN" smtClean="0"/>
-              <a:t>05-10-2023</a:t>
+              <a:t>07-10-2023</a:t>
             </a:fld>
             <a:endParaRPr lang="en-IN"/>
           </a:p>
@@ -2102,7 +2104,7 @@
           <a:p>
             <a:fld id="{00473C38-D65E-435F-87B3-D0F7A89E55D5}" type="datetimeFigureOut">
               <a:rPr lang="en-IN" smtClean="0"/>
-              <a:t>05-10-2023</a:t>
+              <a:t>07-10-2023</a:t>
             </a:fld>
             <a:endParaRPr lang="en-IN"/>
           </a:p>
@@ -2359,7 +2361,7 @@
           <a:p>
             <a:fld id="{00473C38-D65E-435F-87B3-D0F7A89E55D5}" type="datetimeFigureOut">
               <a:rPr lang="en-IN" smtClean="0"/>
-              <a:t>05-10-2023</a:t>
+              <a:t>07-10-2023</a:t>
             </a:fld>
             <a:endParaRPr lang="en-IN"/>
           </a:p>
@@ -2586,7 +2588,7 @@
           <a:p>
             <a:fld id="{00473C38-D65E-435F-87B3-D0F7A89E55D5}" type="datetimeFigureOut">
               <a:rPr lang="en-IN" smtClean="0"/>
-              <a:t>05-10-2023</a:t>
+              <a:t>07-10-2023</a:t>
             </a:fld>
             <a:endParaRPr lang="en-IN"/>
           </a:p>
@@ -3406,13 +3408,13 @@
   <p:clrMapOvr>
     <a:masterClrMapping/>
   </p:clrMapOvr>
-  <mc:AlternateContent xmlns:mc="http://schemas.openxmlformats.org/markup-compatibility/2006">
-    <mc:Choice xmlns:p14="http://schemas.microsoft.com/office/powerpoint/2010/main" Requires="p14">
+  <mc:AlternateContent xmlns:mc="http://schemas.openxmlformats.org/markup-compatibility/2006" xmlns:p14="http://schemas.microsoft.com/office/powerpoint/2010/main">
+    <mc:Choice Requires="p14">
       <p:transition spd="slow" p14:dur="2000">
         <p:fade/>
       </p:transition>
     </mc:Choice>
-    <mc:Fallback>
+    <mc:Fallback xmlns="">
       <p:transition spd="slow">
         <p:fade/>
       </p:transition>
@@ -3824,6 +3826,96 @@
     <p:extLst>
       <p:ext uri="{BB962C8B-B14F-4D97-AF65-F5344CB8AC3E}">
         <p14:creationId xmlns:p14="http://schemas.microsoft.com/office/powerpoint/2010/main" val="2964718216"/>
+      </p:ext>
+    </p:extLst>
+  </p:cSld>
+  <p:clrMapOvr>
+    <a:masterClrMapping/>
+  </p:clrMapOvr>
+</p:sld>
+</file>
+
+<file path=ppt/slides/slide6.xml><?xml version="1.0" encoding="utf-8"?>
+<p:sld xmlns:a="http://schemas.openxmlformats.org/drawingml/2006/main" xmlns:r="http://schemas.openxmlformats.org/officeDocument/2006/relationships" xmlns:p="http://schemas.openxmlformats.org/presentationml/2006/main">
+  <p:cSld>
+    <p:spTree>
+      <p:nvGrpSpPr>
+        <p:cNvPr id="1" name=""/>
+        <p:cNvGrpSpPr/>
+        <p:nvPr/>
+      </p:nvGrpSpPr>
+      <p:grpSpPr>
+        <a:xfrm>
+          <a:off x="0" y="0"/>
+          <a:ext cx="0" cy="0"/>
+          <a:chOff x="0" y="0"/>
+          <a:chExt cx="0" cy="0"/>
+        </a:xfrm>
+      </p:grpSpPr>
+      <p:pic>
+        <p:nvPicPr>
+          <p:cNvPr id="3" name="Picture 2">
+            <a:extLst>
+              <a:ext uri="{FF2B5EF4-FFF2-40B4-BE49-F238E27FC236}">
+                <a16:creationId xmlns:a16="http://schemas.microsoft.com/office/drawing/2014/main" id="{0D3D7A8F-EBC0-1593-02E2-4723E63A827C}"/>
+              </a:ext>
+            </a:extLst>
+          </p:cNvPr>
+          <p:cNvPicPr>
+            <a:picLocks noChangeAspect="1"/>
+          </p:cNvPicPr>
+          <p:nvPr/>
+        </p:nvPicPr>
+        <p:blipFill>
+          <a:blip r:embed="rId2"/>
+          <a:stretch>
+            <a:fillRect/>
+          </a:stretch>
+        </p:blipFill>
+        <p:spPr>
+          <a:xfrm>
+            <a:off x="2569963" y="349623"/>
+            <a:ext cx="7052074" cy="6158754"/>
+          </a:xfrm>
+          <a:prstGeom prst="rect">
+            <a:avLst/>
+          </a:prstGeom>
+        </p:spPr>
+      </p:pic>
+    </p:spTree>
+    <p:extLst>
+      <p:ext uri="{BB962C8B-B14F-4D97-AF65-F5344CB8AC3E}">
+        <p14:creationId xmlns:p14="http://schemas.microsoft.com/office/powerpoint/2010/main" val="2458815304"/>
+      </p:ext>
+    </p:extLst>
+  </p:cSld>
+  <p:clrMapOvr>
+    <a:masterClrMapping/>
+  </p:clrMapOvr>
+</p:sld>
+</file>
+
+<file path=ppt/slides/slide7.xml><?xml version="1.0" encoding="utf-8"?>
+<p:sld xmlns:a="http://schemas.openxmlformats.org/drawingml/2006/main" xmlns:r="http://schemas.openxmlformats.org/officeDocument/2006/relationships" xmlns:p="http://schemas.openxmlformats.org/presentationml/2006/main">
+  <p:cSld>
+    <p:spTree>
+      <p:nvGrpSpPr>
+        <p:cNvPr id="1" name=""/>
+        <p:cNvGrpSpPr/>
+        <p:nvPr/>
+      </p:nvGrpSpPr>
+      <p:grpSpPr>
+        <a:xfrm>
+          <a:off x="0" y="0"/>
+          <a:ext cx="0" cy="0"/>
+          <a:chOff x="0" y="0"/>
+          <a:chExt cx="0" cy="0"/>
+        </a:xfrm>
+      </p:grpSpPr>
+    </p:spTree>
+    <p:extLst>
+      <p:ext uri="{BB962C8B-B14F-4D97-AF65-F5344CB8AC3E}">
+        <p14:creationId xmlns:p14="http://schemas.microsoft.com/office/powerpoint/2010/main" val="2298277681"/>
       </p:ext>
     </p:extLst>
   </p:cSld>

--- a/Presentation.pptx
+++ b/Presentation.pptx
@@ -10,8 +10,22 @@
     <p:sldId id="259" r:id="rId4"/>
     <p:sldId id="260" r:id="rId5"/>
     <p:sldId id="261" r:id="rId6"/>
-    <p:sldId id="262" r:id="rId7"/>
-    <p:sldId id="263" r:id="rId8"/>
+    <p:sldId id="274" r:id="rId7"/>
+    <p:sldId id="275" r:id="rId8"/>
+    <p:sldId id="262" r:id="rId9"/>
+    <p:sldId id="273" r:id="rId10"/>
+    <p:sldId id="263" r:id="rId11"/>
+    <p:sldId id="264" r:id="rId12"/>
+    <p:sldId id="265" r:id="rId13"/>
+    <p:sldId id="277" r:id="rId14"/>
+    <p:sldId id="266" r:id="rId15"/>
+    <p:sldId id="267" r:id="rId16"/>
+    <p:sldId id="268" r:id="rId17"/>
+    <p:sldId id="269" r:id="rId18"/>
+    <p:sldId id="270" r:id="rId19"/>
+    <p:sldId id="271" r:id="rId20"/>
+    <p:sldId id="272" r:id="rId21"/>
+    <p:sldId id="276" r:id="rId22"/>
   </p:sldIdLst>
   <p:sldSz cx="12192000" cy="6858000"/>
   <p:notesSz cx="6858000" cy="9144000"/>
@@ -3063,6 +3077,635 @@
 </p:sld>
 </file>
 
+<file path=ppt/slides/slide10.xml><?xml version="1.0" encoding="utf-8"?>
+<p:sld xmlns:a="http://schemas.openxmlformats.org/drawingml/2006/main" xmlns:r="http://schemas.openxmlformats.org/officeDocument/2006/relationships" xmlns:p="http://schemas.openxmlformats.org/presentationml/2006/main">
+  <p:cSld>
+    <p:spTree>
+      <p:nvGrpSpPr>
+        <p:cNvPr id="1" name=""/>
+        <p:cNvGrpSpPr/>
+        <p:nvPr/>
+      </p:nvGrpSpPr>
+      <p:grpSpPr>
+        <a:xfrm>
+          <a:off x="0" y="0"/>
+          <a:ext cx="0" cy="0"/>
+          <a:chOff x="0" y="0"/>
+          <a:chExt cx="0" cy="0"/>
+        </a:xfrm>
+      </p:grpSpPr>
+      <p:pic>
+        <p:nvPicPr>
+          <p:cNvPr id="5" name="Picture 4">
+            <a:extLst>
+              <a:ext uri="{FF2B5EF4-FFF2-40B4-BE49-F238E27FC236}">
+                <a16:creationId xmlns:a16="http://schemas.microsoft.com/office/drawing/2014/main" id="{0032CE1D-0313-4BD5-D0FF-10A071BC2603}"/>
+              </a:ext>
+            </a:extLst>
+          </p:cNvPr>
+          <p:cNvPicPr>
+            <a:picLocks noChangeAspect="1"/>
+          </p:cNvPicPr>
+          <p:nvPr/>
+        </p:nvPicPr>
+        <p:blipFill rotWithShape="1">
+          <a:blip r:embed="rId2"/>
+          <a:srcRect r="12265"/>
+          <a:stretch/>
+        </p:blipFill>
+        <p:spPr>
+          <a:xfrm>
+            <a:off x="1875263" y="0"/>
+            <a:ext cx="8441473" cy="6858000"/>
+          </a:xfrm>
+          <a:prstGeom prst="rect">
+            <a:avLst/>
+          </a:prstGeom>
+        </p:spPr>
+      </p:pic>
+    </p:spTree>
+    <p:extLst>
+      <p:ext uri="{BB962C8B-B14F-4D97-AF65-F5344CB8AC3E}">
+        <p14:creationId xmlns:p14="http://schemas.microsoft.com/office/powerpoint/2010/main" val="2298277681"/>
+      </p:ext>
+    </p:extLst>
+  </p:cSld>
+  <p:clrMapOvr>
+    <a:masterClrMapping/>
+  </p:clrMapOvr>
+  <p:transition spd="slow">
+    <p:fade/>
+  </p:transition>
+</p:sld>
+</file>
+
+<file path=ppt/slides/slide11.xml><?xml version="1.0" encoding="utf-8"?>
+<p:sld xmlns:a="http://schemas.openxmlformats.org/drawingml/2006/main" xmlns:r="http://schemas.openxmlformats.org/officeDocument/2006/relationships" xmlns:p="http://schemas.openxmlformats.org/presentationml/2006/main">
+  <p:cSld>
+    <p:spTree>
+      <p:nvGrpSpPr>
+        <p:cNvPr id="1" name=""/>
+        <p:cNvGrpSpPr/>
+        <p:nvPr/>
+      </p:nvGrpSpPr>
+      <p:grpSpPr>
+        <a:xfrm>
+          <a:off x="0" y="0"/>
+          <a:ext cx="0" cy="0"/>
+          <a:chOff x="0" y="0"/>
+          <a:chExt cx="0" cy="0"/>
+        </a:xfrm>
+      </p:grpSpPr>
+      <p:pic>
+        <p:nvPicPr>
+          <p:cNvPr id="3" name="Picture 2">
+            <a:extLst>
+              <a:ext uri="{FF2B5EF4-FFF2-40B4-BE49-F238E27FC236}">
+                <a16:creationId xmlns:a16="http://schemas.microsoft.com/office/drawing/2014/main" id="{8D7E1530-8449-3E33-5F10-05BBF6976F28}"/>
+              </a:ext>
+            </a:extLst>
+          </p:cNvPr>
+          <p:cNvPicPr>
+            <a:picLocks noChangeAspect="1"/>
+          </p:cNvPicPr>
+          <p:nvPr/>
+        </p:nvPicPr>
+        <p:blipFill>
+          <a:blip r:embed="rId2"/>
+          <a:stretch>
+            <a:fillRect/>
+          </a:stretch>
+        </p:blipFill>
+        <p:spPr>
+          <a:xfrm>
+            <a:off x="1857095" y="0"/>
+            <a:ext cx="8477810" cy="6858000"/>
+          </a:xfrm>
+          <a:prstGeom prst="rect">
+            <a:avLst/>
+          </a:prstGeom>
+        </p:spPr>
+      </p:pic>
+    </p:spTree>
+    <p:extLst>
+      <p:ext uri="{BB962C8B-B14F-4D97-AF65-F5344CB8AC3E}">
+        <p14:creationId xmlns:p14="http://schemas.microsoft.com/office/powerpoint/2010/main" val="2435835924"/>
+      </p:ext>
+    </p:extLst>
+  </p:cSld>
+  <p:clrMapOvr>
+    <a:masterClrMapping/>
+  </p:clrMapOvr>
+  <p:transition spd="slow">
+    <p:fade/>
+  </p:transition>
+</p:sld>
+</file>
+
+<file path=ppt/slides/slide12.xml><?xml version="1.0" encoding="utf-8"?>
+<p:sld xmlns:a="http://schemas.openxmlformats.org/drawingml/2006/main" xmlns:r="http://schemas.openxmlformats.org/officeDocument/2006/relationships" xmlns:p="http://schemas.openxmlformats.org/presentationml/2006/main">
+  <p:cSld>
+    <p:spTree>
+      <p:nvGrpSpPr>
+        <p:cNvPr id="1" name=""/>
+        <p:cNvGrpSpPr/>
+        <p:nvPr/>
+      </p:nvGrpSpPr>
+      <p:grpSpPr>
+        <a:xfrm>
+          <a:off x="0" y="0"/>
+          <a:ext cx="0" cy="0"/>
+          <a:chOff x="0" y="0"/>
+          <a:chExt cx="0" cy="0"/>
+        </a:xfrm>
+      </p:grpSpPr>
+      <p:pic>
+        <p:nvPicPr>
+          <p:cNvPr id="3" name="Picture 2">
+            <a:extLst>
+              <a:ext uri="{FF2B5EF4-FFF2-40B4-BE49-F238E27FC236}">
+                <a16:creationId xmlns:a16="http://schemas.microsoft.com/office/drawing/2014/main" id="{BF41F27B-0693-28A8-98E4-7605EDA940E4}"/>
+              </a:ext>
+            </a:extLst>
+          </p:cNvPr>
+          <p:cNvPicPr>
+            <a:picLocks noChangeAspect="1"/>
+          </p:cNvPicPr>
+          <p:nvPr/>
+        </p:nvPicPr>
+        <p:blipFill>
+          <a:blip r:embed="rId2"/>
+          <a:stretch>
+            <a:fillRect/>
+          </a:stretch>
+        </p:blipFill>
+        <p:spPr>
+          <a:xfrm>
+            <a:off x="1857095" y="0"/>
+            <a:ext cx="8477810" cy="6858000"/>
+          </a:xfrm>
+          <a:prstGeom prst="rect">
+            <a:avLst/>
+          </a:prstGeom>
+        </p:spPr>
+      </p:pic>
+    </p:spTree>
+    <p:extLst>
+      <p:ext uri="{BB962C8B-B14F-4D97-AF65-F5344CB8AC3E}">
+        <p14:creationId xmlns:p14="http://schemas.microsoft.com/office/powerpoint/2010/main" val="589965946"/>
+      </p:ext>
+    </p:extLst>
+  </p:cSld>
+  <p:clrMapOvr>
+    <a:masterClrMapping/>
+  </p:clrMapOvr>
+  <p:transition spd="slow">
+    <p:fade/>
+  </p:transition>
+</p:sld>
+</file>
+
+<file path=ppt/slides/slide13.xml><?xml version="1.0" encoding="utf-8"?>
+<p:sld xmlns:a="http://schemas.openxmlformats.org/drawingml/2006/main" xmlns:r="http://schemas.openxmlformats.org/officeDocument/2006/relationships" xmlns:p="http://schemas.openxmlformats.org/presentationml/2006/main">
+  <p:cSld>
+    <p:spTree>
+      <p:nvGrpSpPr>
+        <p:cNvPr id="1" name=""/>
+        <p:cNvGrpSpPr/>
+        <p:nvPr/>
+      </p:nvGrpSpPr>
+      <p:grpSpPr>
+        <a:xfrm>
+          <a:off x="0" y="0"/>
+          <a:ext cx="0" cy="0"/>
+          <a:chOff x="0" y="0"/>
+          <a:chExt cx="0" cy="0"/>
+        </a:xfrm>
+      </p:grpSpPr>
+      <p:pic>
+        <p:nvPicPr>
+          <p:cNvPr id="3" name="Picture 2">
+            <a:extLst>
+              <a:ext uri="{FF2B5EF4-FFF2-40B4-BE49-F238E27FC236}">
+                <a16:creationId xmlns:a16="http://schemas.microsoft.com/office/drawing/2014/main" id="{98904591-7853-15F3-9138-41F14DD09AA9}"/>
+              </a:ext>
+            </a:extLst>
+          </p:cNvPr>
+          <p:cNvPicPr>
+            <a:picLocks noChangeAspect="1"/>
+          </p:cNvPicPr>
+          <p:nvPr/>
+        </p:nvPicPr>
+        <p:blipFill>
+          <a:blip r:embed="rId2"/>
+          <a:stretch>
+            <a:fillRect/>
+          </a:stretch>
+        </p:blipFill>
+        <p:spPr>
+          <a:xfrm>
+            <a:off x="1876778" y="0"/>
+            <a:ext cx="8438444" cy="6858000"/>
+          </a:xfrm>
+          <a:prstGeom prst="rect">
+            <a:avLst/>
+          </a:prstGeom>
+        </p:spPr>
+      </p:pic>
+    </p:spTree>
+    <p:extLst>
+      <p:ext uri="{BB962C8B-B14F-4D97-AF65-F5344CB8AC3E}">
+        <p14:creationId xmlns:p14="http://schemas.microsoft.com/office/powerpoint/2010/main" val="4018085992"/>
+      </p:ext>
+    </p:extLst>
+  </p:cSld>
+  <p:clrMapOvr>
+    <a:masterClrMapping/>
+  </p:clrMapOvr>
+  <p:transition spd="slow">
+    <p:fade/>
+  </p:transition>
+</p:sld>
+</file>
+
+<file path=ppt/slides/slide14.xml><?xml version="1.0" encoding="utf-8"?>
+<p:sld xmlns:a="http://schemas.openxmlformats.org/drawingml/2006/main" xmlns:r="http://schemas.openxmlformats.org/officeDocument/2006/relationships" xmlns:p="http://schemas.openxmlformats.org/presentationml/2006/main">
+  <p:cSld>
+    <p:spTree>
+      <p:nvGrpSpPr>
+        <p:cNvPr id="1" name=""/>
+        <p:cNvGrpSpPr/>
+        <p:nvPr/>
+      </p:nvGrpSpPr>
+      <p:grpSpPr>
+        <a:xfrm>
+          <a:off x="0" y="0"/>
+          <a:ext cx="0" cy="0"/>
+          <a:chOff x="0" y="0"/>
+          <a:chExt cx="0" cy="0"/>
+        </a:xfrm>
+      </p:grpSpPr>
+      <p:pic>
+        <p:nvPicPr>
+          <p:cNvPr id="3" name="Picture 2">
+            <a:extLst>
+              <a:ext uri="{FF2B5EF4-FFF2-40B4-BE49-F238E27FC236}">
+                <a16:creationId xmlns:a16="http://schemas.microsoft.com/office/drawing/2014/main" id="{B48393D4-2F97-E123-950D-11E61AD92E4B}"/>
+              </a:ext>
+            </a:extLst>
+          </p:cNvPr>
+          <p:cNvPicPr>
+            <a:picLocks noChangeAspect="1"/>
+          </p:cNvPicPr>
+          <p:nvPr/>
+        </p:nvPicPr>
+        <p:blipFill>
+          <a:blip r:embed="rId2"/>
+          <a:stretch>
+            <a:fillRect/>
+          </a:stretch>
+        </p:blipFill>
+        <p:spPr>
+          <a:xfrm>
+            <a:off x="1961029" y="0"/>
+            <a:ext cx="8269941" cy="6858000"/>
+          </a:xfrm>
+          <a:prstGeom prst="rect">
+            <a:avLst/>
+          </a:prstGeom>
+        </p:spPr>
+      </p:pic>
+    </p:spTree>
+    <p:extLst>
+      <p:ext uri="{BB962C8B-B14F-4D97-AF65-F5344CB8AC3E}">
+        <p14:creationId xmlns:p14="http://schemas.microsoft.com/office/powerpoint/2010/main" val="163691963"/>
+      </p:ext>
+    </p:extLst>
+  </p:cSld>
+  <p:clrMapOvr>
+    <a:masterClrMapping/>
+  </p:clrMapOvr>
+  <p:transition spd="slow">
+    <p:fade/>
+  </p:transition>
+</p:sld>
+</file>
+
+<file path=ppt/slides/slide15.xml><?xml version="1.0" encoding="utf-8"?>
+<p:sld xmlns:a="http://schemas.openxmlformats.org/drawingml/2006/main" xmlns:r="http://schemas.openxmlformats.org/officeDocument/2006/relationships" xmlns:p="http://schemas.openxmlformats.org/presentationml/2006/main">
+  <p:cSld>
+    <p:spTree>
+      <p:nvGrpSpPr>
+        <p:cNvPr id="1" name=""/>
+        <p:cNvGrpSpPr/>
+        <p:nvPr/>
+      </p:nvGrpSpPr>
+      <p:grpSpPr>
+        <a:xfrm>
+          <a:off x="0" y="0"/>
+          <a:ext cx="0" cy="0"/>
+          <a:chOff x="0" y="0"/>
+          <a:chExt cx="0" cy="0"/>
+        </a:xfrm>
+      </p:grpSpPr>
+      <p:pic>
+        <p:nvPicPr>
+          <p:cNvPr id="3" name="Picture 2">
+            <a:extLst>
+              <a:ext uri="{FF2B5EF4-FFF2-40B4-BE49-F238E27FC236}">
+                <a16:creationId xmlns:a16="http://schemas.microsoft.com/office/drawing/2014/main" id="{C57DC391-ED88-9102-546F-22E741E43286}"/>
+              </a:ext>
+            </a:extLst>
+          </p:cNvPr>
+          <p:cNvPicPr>
+            <a:picLocks noChangeAspect="1"/>
+          </p:cNvPicPr>
+          <p:nvPr/>
+        </p:nvPicPr>
+        <p:blipFill>
+          <a:blip r:embed="rId2"/>
+          <a:stretch>
+            <a:fillRect/>
+          </a:stretch>
+        </p:blipFill>
+        <p:spPr>
+          <a:xfrm>
+            <a:off x="1639174" y="0"/>
+            <a:ext cx="8913651" cy="6858000"/>
+          </a:xfrm>
+          <a:prstGeom prst="rect">
+            <a:avLst/>
+          </a:prstGeom>
+        </p:spPr>
+      </p:pic>
+    </p:spTree>
+    <p:extLst>
+      <p:ext uri="{BB962C8B-B14F-4D97-AF65-F5344CB8AC3E}">
+        <p14:creationId xmlns:p14="http://schemas.microsoft.com/office/powerpoint/2010/main" val="3057088308"/>
+      </p:ext>
+    </p:extLst>
+  </p:cSld>
+  <p:clrMapOvr>
+    <a:masterClrMapping/>
+  </p:clrMapOvr>
+  <p:transition spd="slow">
+    <p:fade/>
+  </p:transition>
+</p:sld>
+</file>
+
+<file path=ppt/slides/slide16.xml><?xml version="1.0" encoding="utf-8"?>
+<p:sld xmlns:a="http://schemas.openxmlformats.org/drawingml/2006/main" xmlns:r="http://schemas.openxmlformats.org/officeDocument/2006/relationships" xmlns:p="http://schemas.openxmlformats.org/presentationml/2006/main">
+  <p:cSld>
+    <p:spTree>
+      <p:nvGrpSpPr>
+        <p:cNvPr id="1" name=""/>
+        <p:cNvGrpSpPr/>
+        <p:nvPr/>
+      </p:nvGrpSpPr>
+      <p:grpSpPr>
+        <a:xfrm>
+          <a:off x="0" y="0"/>
+          <a:ext cx="0" cy="0"/>
+          <a:chOff x="0" y="0"/>
+          <a:chExt cx="0" cy="0"/>
+        </a:xfrm>
+      </p:grpSpPr>
+      <p:pic>
+        <p:nvPicPr>
+          <p:cNvPr id="3" name="Picture 2">
+            <a:extLst>
+              <a:ext uri="{FF2B5EF4-FFF2-40B4-BE49-F238E27FC236}">
+                <a16:creationId xmlns:a16="http://schemas.microsoft.com/office/drawing/2014/main" id="{8FC00051-F4BE-16D1-6DCD-A470DBB22024}"/>
+              </a:ext>
+            </a:extLst>
+          </p:cNvPr>
+          <p:cNvPicPr>
+            <a:picLocks noChangeAspect="1"/>
+          </p:cNvPicPr>
+          <p:nvPr/>
+        </p:nvPicPr>
+        <p:blipFill>
+          <a:blip r:embed="rId2"/>
+          <a:stretch>
+            <a:fillRect/>
+          </a:stretch>
+        </p:blipFill>
+        <p:spPr>
+          <a:xfrm>
+            <a:off x="2564876" y="0"/>
+            <a:ext cx="7062247" cy="6858000"/>
+          </a:xfrm>
+          <a:prstGeom prst="rect">
+            <a:avLst/>
+          </a:prstGeom>
+        </p:spPr>
+      </p:pic>
+    </p:spTree>
+    <p:extLst>
+      <p:ext uri="{BB962C8B-B14F-4D97-AF65-F5344CB8AC3E}">
+        <p14:creationId xmlns:p14="http://schemas.microsoft.com/office/powerpoint/2010/main" val="1062232278"/>
+      </p:ext>
+    </p:extLst>
+  </p:cSld>
+  <p:clrMapOvr>
+    <a:masterClrMapping/>
+  </p:clrMapOvr>
+  <p:transition spd="slow">
+    <p:fade/>
+  </p:transition>
+</p:sld>
+</file>
+
+<file path=ppt/slides/slide17.xml><?xml version="1.0" encoding="utf-8"?>
+<p:sld xmlns:a="http://schemas.openxmlformats.org/drawingml/2006/main" xmlns:r="http://schemas.openxmlformats.org/officeDocument/2006/relationships" xmlns:p="http://schemas.openxmlformats.org/presentationml/2006/main">
+  <p:cSld>
+    <p:spTree>
+      <p:nvGrpSpPr>
+        <p:cNvPr id="1" name=""/>
+        <p:cNvGrpSpPr/>
+        <p:nvPr/>
+      </p:nvGrpSpPr>
+      <p:grpSpPr>
+        <a:xfrm>
+          <a:off x="0" y="0"/>
+          <a:ext cx="0" cy="0"/>
+          <a:chOff x="0" y="0"/>
+          <a:chExt cx="0" cy="0"/>
+        </a:xfrm>
+      </p:grpSpPr>
+      <p:pic>
+        <p:nvPicPr>
+          <p:cNvPr id="3" name="Picture 2">
+            <a:extLst>
+              <a:ext uri="{FF2B5EF4-FFF2-40B4-BE49-F238E27FC236}">
+                <a16:creationId xmlns:a16="http://schemas.microsoft.com/office/drawing/2014/main" id="{06695862-F076-A278-B73C-E7AD4A7F7D48}"/>
+              </a:ext>
+            </a:extLst>
+          </p:cNvPr>
+          <p:cNvPicPr>
+            <a:picLocks noChangeAspect="1"/>
+          </p:cNvPicPr>
+          <p:nvPr/>
+        </p:nvPicPr>
+        <p:blipFill>
+          <a:blip r:embed="rId2"/>
+          <a:stretch>
+            <a:fillRect/>
+          </a:stretch>
+        </p:blipFill>
+        <p:spPr>
+          <a:xfrm>
+            <a:off x="1919111" y="0"/>
+            <a:ext cx="8353778" cy="6858000"/>
+          </a:xfrm>
+          <a:prstGeom prst="rect">
+            <a:avLst/>
+          </a:prstGeom>
+        </p:spPr>
+      </p:pic>
+    </p:spTree>
+    <p:extLst>
+      <p:ext uri="{BB962C8B-B14F-4D97-AF65-F5344CB8AC3E}">
+        <p14:creationId xmlns:p14="http://schemas.microsoft.com/office/powerpoint/2010/main" val="2135268721"/>
+      </p:ext>
+    </p:extLst>
+  </p:cSld>
+  <p:clrMapOvr>
+    <a:masterClrMapping/>
+  </p:clrMapOvr>
+  <p:transition spd="slow">
+    <p:fade/>
+  </p:transition>
+</p:sld>
+</file>
+
+<file path=ppt/slides/slide18.xml><?xml version="1.0" encoding="utf-8"?>
+<p:sld xmlns:a="http://schemas.openxmlformats.org/drawingml/2006/main" xmlns:r="http://schemas.openxmlformats.org/officeDocument/2006/relationships" xmlns:p="http://schemas.openxmlformats.org/presentationml/2006/main">
+  <p:cSld>
+    <p:spTree>
+      <p:nvGrpSpPr>
+        <p:cNvPr id="1" name=""/>
+        <p:cNvGrpSpPr/>
+        <p:nvPr/>
+      </p:nvGrpSpPr>
+      <p:grpSpPr>
+        <a:xfrm>
+          <a:off x="0" y="0"/>
+          <a:ext cx="0" cy="0"/>
+          <a:chOff x="0" y="0"/>
+          <a:chExt cx="0" cy="0"/>
+        </a:xfrm>
+      </p:grpSpPr>
+      <p:pic>
+        <p:nvPicPr>
+          <p:cNvPr id="3" name="Picture 2">
+            <a:extLst>
+              <a:ext uri="{FF2B5EF4-FFF2-40B4-BE49-F238E27FC236}">
+                <a16:creationId xmlns:a16="http://schemas.microsoft.com/office/drawing/2014/main" id="{C87AE60F-8D46-1915-975F-22C4C0F37204}"/>
+              </a:ext>
+            </a:extLst>
+          </p:cNvPr>
+          <p:cNvPicPr>
+            <a:picLocks noChangeAspect="1"/>
+          </p:cNvPicPr>
+          <p:nvPr/>
+        </p:nvPicPr>
+        <p:blipFill>
+          <a:blip r:embed="rId2"/>
+          <a:stretch>
+            <a:fillRect/>
+          </a:stretch>
+        </p:blipFill>
+        <p:spPr>
+          <a:xfrm>
+            <a:off x="1257300" y="366712"/>
+            <a:ext cx="9677400" cy="6124575"/>
+          </a:xfrm>
+          <a:prstGeom prst="rect">
+            <a:avLst/>
+          </a:prstGeom>
+        </p:spPr>
+      </p:pic>
+    </p:spTree>
+    <p:extLst>
+      <p:ext uri="{BB962C8B-B14F-4D97-AF65-F5344CB8AC3E}">
+        <p14:creationId xmlns:p14="http://schemas.microsoft.com/office/powerpoint/2010/main" val="1277518517"/>
+      </p:ext>
+    </p:extLst>
+  </p:cSld>
+  <p:clrMapOvr>
+    <a:masterClrMapping/>
+  </p:clrMapOvr>
+  <p:transition spd="slow">
+    <p:fade/>
+  </p:transition>
+</p:sld>
+</file>
+
+<file path=ppt/slides/slide19.xml><?xml version="1.0" encoding="utf-8"?>
+<p:sld xmlns:a="http://schemas.openxmlformats.org/drawingml/2006/main" xmlns:r="http://schemas.openxmlformats.org/officeDocument/2006/relationships" xmlns:p="http://schemas.openxmlformats.org/presentationml/2006/main">
+  <p:cSld>
+    <p:spTree>
+      <p:nvGrpSpPr>
+        <p:cNvPr id="1" name=""/>
+        <p:cNvGrpSpPr/>
+        <p:nvPr/>
+      </p:nvGrpSpPr>
+      <p:grpSpPr>
+        <a:xfrm>
+          <a:off x="0" y="0"/>
+          <a:ext cx="0" cy="0"/>
+          <a:chOff x="0" y="0"/>
+          <a:chExt cx="0" cy="0"/>
+        </a:xfrm>
+      </p:grpSpPr>
+      <p:pic>
+        <p:nvPicPr>
+          <p:cNvPr id="3" name="Picture 2">
+            <a:extLst>
+              <a:ext uri="{FF2B5EF4-FFF2-40B4-BE49-F238E27FC236}">
+                <a16:creationId xmlns:a16="http://schemas.microsoft.com/office/drawing/2014/main" id="{AB02145B-B04F-AE17-9711-8CB9E7A864F7}"/>
+              </a:ext>
+            </a:extLst>
+          </p:cNvPr>
+          <p:cNvPicPr>
+            <a:picLocks noChangeAspect="1"/>
+          </p:cNvPicPr>
+          <p:nvPr/>
+        </p:nvPicPr>
+        <p:blipFill>
+          <a:blip r:embed="rId2"/>
+          <a:stretch>
+            <a:fillRect/>
+          </a:stretch>
+        </p:blipFill>
+        <p:spPr>
+          <a:xfrm>
+            <a:off x="3036756" y="0"/>
+            <a:ext cx="6118488" cy="6858000"/>
+          </a:xfrm>
+          <a:prstGeom prst="rect">
+            <a:avLst/>
+          </a:prstGeom>
+        </p:spPr>
+      </p:pic>
+    </p:spTree>
+    <p:extLst>
+      <p:ext uri="{BB962C8B-B14F-4D97-AF65-F5344CB8AC3E}">
+        <p14:creationId xmlns:p14="http://schemas.microsoft.com/office/powerpoint/2010/main" val="841646576"/>
+      </p:ext>
+    </p:extLst>
+  </p:cSld>
+  <p:clrMapOvr>
+    <a:masterClrMapping/>
+  </p:clrMapOvr>
+  <p:transition spd="slow">
+    <p:fade/>
+  </p:transition>
+</p:sld>
+</file>
+
 <file path=ppt/slides/slide2.xml><?xml version="1.0" encoding="utf-8"?>
 <p:sld xmlns:a="http://schemas.openxmlformats.org/drawingml/2006/main" xmlns:r="http://schemas.openxmlformats.org/officeDocument/2006/relationships" xmlns:p="http://schemas.openxmlformats.org/presentationml/2006/main">
   <p:cSld>
@@ -3314,6 +3957,194 @@
       </p:transition>
     </mc:Fallback>
   </mc:AlternateContent>
+</p:sld>
+</file>
+
+<file path=ppt/slides/slide20.xml><?xml version="1.0" encoding="utf-8"?>
+<p:sld xmlns:a="http://schemas.openxmlformats.org/drawingml/2006/main" xmlns:r="http://schemas.openxmlformats.org/officeDocument/2006/relationships" xmlns:p="http://schemas.openxmlformats.org/presentationml/2006/main">
+  <p:cSld>
+    <p:spTree>
+      <p:nvGrpSpPr>
+        <p:cNvPr id="1" name=""/>
+        <p:cNvGrpSpPr/>
+        <p:nvPr/>
+      </p:nvGrpSpPr>
+      <p:grpSpPr>
+        <a:xfrm>
+          <a:off x="0" y="0"/>
+          <a:ext cx="0" cy="0"/>
+          <a:chOff x="0" y="0"/>
+          <a:chExt cx="0" cy="0"/>
+        </a:xfrm>
+      </p:grpSpPr>
+      <p:pic>
+        <p:nvPicPr>
+          <p:cNvPr id="3" name="Picture 2">
+            <a:extLst>
+              <a:ext uri="{FF2B5EF4-FFF2-40B4-BE49-F238E27FC236}">
+                <a16:creationId xmlns:a16="http://schemas.microsoft.com/office/drawing/2014/main" id="{3E526FE0-0D7F-437A-AA5C-5CC255B6E495}"/>
+              </a:ext>
+            </a:extLst>
+          </p:cNvPr>
+          <p:cNvPicPr>
+            <a:picLocks noChangeAspect="1"/>
+          </p:cNvPicPr>
+          <p:nvPr/>
+        </p:nvPicPr>
+        <p:blipFill>
+          <a:blip r:embed="rId2"/>
+          <a:stretch>
+            <a:fillRect/>
+          </a:stretch>
+        </p:blipFill>
+        <p:spPr>
+          <a:xfrm>
+            <a:off x="2841099" y="0"/>
+            <a:ext cx="6509801" cy="6858000"/>
+          </a:xfrm>
+          <a:prstGeom prst="rect">
+            <a:avLst/>
+          </a:prstGeom>
+        </p:spPr>
+      </p:pic>
+    </p:spTree>
+    <p:extLst>
+      <p:ext uri="{BB962C8B-B14F-4D97-AF65-F5344CB8AC3E}">
+        <p14:creationId xmlns:p14="http://schemas.microsoft.com/office/powerpoint/2010/main" val="4293625948"/>
+      </p:ext>
+    </p:extLst>
+  </p:cSld>
+  <p:clrMapOvr>
+    <a:masterClrMapping/>
+  </p:clrMapOvr>
+  <p:transition spd="slow">
+    <p:fade/>
+  </p:transition>
+</p:sld>
+</file>
+
+<file path=ppt/slides/slide21.xml><?xml version="1.0" encoding="utf-8"?>
+<p:sld xmlns:a="http://schemas.openxmlformats.org/drawingml/2006/main" xmlns:r="http://schemas.openxmlformats.org/officeDocument/2006/relationships" xmlns:p="http://schemas.openxmlformats.org/presentationml/2006/main">
+  <p:cSld>
+    <p:spTree>
+      <p:nvGrpSpPr>
+        <p:cNvPr id="1" name=""/>
+        <p:cNvGrpSpPr/>
+        <p:nvPr/>
+      </p:nvGrpSpPr>
+      <p:grpSpPr>
+        <a:xfrm>
+          <a:off x="0" y="0"/>
+          <a:ext cx="0" cy="0"/>
+          <a:chOff x="0" y="0"/>
+          <a:chExt cx="0" cy="0"/>
+        </a:xfrm>
+      </p:grpSpPr>
+      <p:sp>
+        <p:nvSpPr>
+          <p:cNvPr id="2" name="Title 1">
+            <a:extLst>
+              <a:ext uri="{FF2B5EF4-FFF2-40B4-BE49-F238E27FC236}">
+                <a16:creationId xmlns:a16="http://schemas.microsoft.com/office/drawing/2014/main" id="{FE8E760F-D9DF-535D-050C-89EB0ADA3E88}"/>
+              </a:ext>
+            </a:extLst>
+          </p:cNvPr>
+          <p:cNvSpPr>
+            <a:spLocks noGrp="1"/>
+          </p:cNvSpPr>
+          <p:nvPr>
+            <p:ph type="title"/>
+          </p:nvPr>
+        </p:nvSpPr>
+        <p:spPr>
+          <a:xfrm>
+            <a:off x="838200" y="2766218"/>
+            <a:ext cx="10515600" cy="1325563"/>
+          </a:xfrm>
+        </p:spPr>
+        <p:txBody>
+          <a:bodyPr>
+            <a:normAutofit/>
+          </a:bodyPr>
+          <a:lstStyle/>
+          <a:p>
+            <a:pPr algn="ctr"/>
+            <a:r>
+              <a:rPr lang="en-US" sz="6000" dirty="0">
+                <a:latin typeface="Felix Titling" panose="04060505060202020A04" pitchFamily="82" charset="0"/>
+              </a:rPr>
+              <a:t>THANK YOU!</a:t>
+            </a:r>
+            <a:endParaRPr lang="en-IN" sz="6000" dirty="0">
+              <a:latin typeface="Felix Titling" panose="04060505060202020A04" pitchFamily="82" charset="0"/>
+            </a:endParaRPr>
+          </a:p>
+        </p:txBody>
+      </p:sp>
+      <p:sp>
+        <p:nvSpPr>
+          <p:cNvPr id="3" name="TextBox 2">
+            <a:extLst>
+              <a:ext uri="{FF2B5EF4-FFF2-40B4-BE49-F238E27FC236}">
+                <a16:creationId xmlns:a16="http://schemas.microsoft.com/office/drawing/2014/main" id="{A3AAFCD4-7132-39E5-FB9F-9FC87F6B534C}"/>
+              </a:ext>
+            </a:extLst>
+          </p:cNvPr>
+          <p:cNvSpPr txBox="1"/>
+          <p:nvPr/>
+        </p:nvSpPr>
+        <p:spPr>
+          <a:xfrm>
+            <a:off x="10327341" y="6104965"/>
+            <a:ext cx="2052917" cy="646331"/>
+          </a:xfrm>
+          <a:prstGeom prst="rect">
+            <a:avLst/>
+          </a:prstGeom>
+          <a:noFill/>
+        </p:spPr>
+        <p:txBody>
+          <a:bodyPr wrap="square" rtlCol="0">
+            <a:spAutoFit/>
+          </a:bodyPr>
+          <a:lstStyle/>
+          <a:p>
+            <a:r>
+              <a:rPr lang="en-US" dirty="0">
+                <a:latin typeface="Bell MT" panose="02020503060305020303" pitchFamily="18" charset="0"/>
+              </a:rPr>
+              <a:t>Presentation by:</a:t>
+            </a:r>
+            <a:br>
+              <a:rPr lang="en-US" dirty="0">
+                <a:latin typeface="Bell MT" panose="02020503060305020303" pitchFamily="18" charset="0"/>
+              </a:rPr>
+            </a:br>
+            <a:r>
+              <a:rPr lang="en-US" dirty="0">
+                <a:latin typeface="Bell MT" panose="02020503060305020303" pitchFamily="18" charset="0"/>
+              </a:rPr>
+              <a:t>Tejas MH</a:t>
+            </a:r>
+            <a:endParaRPr lang="en-IN" dirty="0">
+              <a:latin typeface="Bell MT" panose="02020503060305020303" pitchFamily="18" charset="0"/>
+            </a:endParaRPr>
+          </a:p>
+        </p:txBody>
+      </p:sp>
+    </p:spTree>
+    <p:extLst>
+      <p:ext uri="{BB962C8B-B14F-4D97-AF65-F5344CB8AC3E}">
+        <p14:creationId xmlns:p14="http://schemas.microsoft.com/office/powerpoint/2010/main" val="620567979"/>
+      </p:ext>
+    </p:extLst>
+  </p:cSld>
+  <p:clrMapOvr>
+    <a:masterClrMapping/>
+  </p:clrMapOvr>
+  <p:transition spd="slow">
+    <p:fade/>
+  </p:transition>
 </p:sld>
 </file>
 
@@ -3763,19 +4594,7 @@
               <a:rPr lang="en-US" dirty="0">
                 <a:latin typeface="Bell MT" panose="02020503060305020303" pitchFamily="18" charset="0"/>
               </a:rPr>
-              <a:t>The app was coded on Dart programming language, using Flutter Framework and </a:t>
-            </a:r>
-            <a:r>
-              <a:rPr lang="en-US">
-                <a:latin typeface="Bell MT" panose="02020503060305020303" pitchFamily="18" charset="0"/>
-              </a:rPr>
-              <a:t>REST Countries </a:t>
-            </a:r>
-            <a:r>
-              <a:rPr lang="en-US" dirty="0">
-                <a:latin typeface="Bell MT" panose="02020503060305020303" pitchFamily="18" charset="0"/>
-              </a:rPr>
-              <a:t>API.</a:t>
+              <a:t>The app was coded on Dart programming language, using Flutter Framework and REST Countries API.</a:t>
             </a:r>
           </a:p>
           <a:p>
@@ -3832,10 +4651,309 @@
   <p:clrMapOvr>
     <a:masterClrMapping/>
   </p:clrMapOvr>
+  <p:transition spd="slow">
+    <p:fade/>
+  </p:transition>
 </p:sld>
 </file>
 
 <file path=ppt/slides/slide6.xml><?xml version="1.0" encoding="utf-8"?>
+<p:sld xmlns:a="http://schemas.openxmlformats.org/drawingml/2006/main" xmlns:r="http://schemas.openxmlformats.org/officeDocument/2006/relationships" xmlns:p="http://schemas.openxmlformats.org/presentationml/2006/main">
+  <p:cSld>
+    <p:spTree>
+      <p:nvGrpSpPr>
+        <p:cNvPr id="1" name=""/>
+        <p:cNvGrpSpPr/>
+        <p:nvPr/>
+      </p:nvGrpSpPr>
+      <p:grpSpPr>
+        <a:xfrm>
+          <a:off x="0" y="0"/>
+          <a:ext cx="0" cy="0"/>
+          <a:chOff x="0" y="0"/>
+          <a:chExt cx="0" cy="0"/>
+        </a:xfrm>
+      </p:grpSpPr>
+      <p:sp>
+        <p:nvSpPr>
+          <p:cNvPr id="2" name="Title 1">
+            <a:extLst>
+              <a:ext uri="{FF2B5EF4-FFF2-40B4-BE49-F238E27FC236}">
+                <a16:creationId xmlns:a16="http://schemas.microsoft.com/office/drawing/2014/main" id="{CE037D2E-27CB-4408-CB5B-A892097A4116}"/>
+              </a:ext>
+            </a:extLst>
+          </p:cNvPr>
+          <p:cNvSpPr>
+            <a:spLocks noGrp="1"/>
+          </p:cNvSpPr>
+          <p:nvPr>
+            <p:ph type="title"/>
+          </p:nvPr>
+        </p:nvSpPr>
+        <p:spPr/>
+        <p:txBody>
+          <a:bodyPr/>
+          <a:lstStyle/>
+          <a:p>
+            <a:r>
+              <a:rPr lang="en-US" dirty="0">
+                <a:latin typeface="Bell MT" panose="02020503060305020303" pitchFamily="18" charset="0"/>
+              </a:rPr>
+              <a:t>About the API</a:t>
+            </a:r>
+            <a:endParaRPr lang="en-IN" dirty="0">
+              <a:latin typeface="Bell MT" panose="02020503060305020303" pitchFamily="18" charset="0"/>
+            </a:endParaRPr>
+          </a:p>
+        </p:txBody>
+      </p:sp>
+      <p:sp>
+        <p:nvSpPr>
+          <p:cNvPr id="3" name="Content Placeholder 2">
+            <a:extLst>
+              <a:ext uri="{FF2B5EF4-FFF2-40B4-BE49-F238E27FC236}">
+                <a16:creationId xmlns:a16="http://schemas.microsoft.com/office/drawing/2014/main" id="{3C29A4A4-1EA3-3D3B-F23D-64DEE4620715}"/>
+              </a:ext>
+            </a:extLst>
+          </p:cNvPr>
+          <p:cNvSpPr>
+            <a:spLocks noGrp="1"/>
+          </p:cNvSpPr>
+          <p:nvPr>
+            <p:ph idx="1"/>
+          </p:nvPr>
+        </p:nvSpPr>
+        <p:spPr/>
+        <p:txBody>
+          <a:bodyPr/>
+          <a:lstStyle/>
+          <a:p>
+            <a:pPr marL="0" indent="0">
+              <a:buNone/>
+            </a:pPr>
+            <a:r>
+              <a:rPr lang="en-US" dirty="0">
+                <a:latin typeface="Bell MT" panose="02020503060305020303" pitchFamily="18" charset="0"/>
+              </a:rPr>
+              <a:t>A REST / RESTful API) is an application programming interface (API) that conforms to the constraints of REST architectural style and allows for interaction with RESTful web services.</a:t>
+            </a:r>
+          </a:p>
+          <a:p>
+            <a:pPr marL="0" indent="0">
+              <a:buNone/>
+            </a:pPr>
+            <a:r>
+              <a:rPr lang="en-US" dirty="0">
+                <a:latin typeface="Bell MT" panose="02020503060305020303" pitchFamily="18" charset="0"/>
+              </a:rPr>
+              <a:t>REST stands for representational state transfer.</a:t>
+            </a:r>
+          </a:p>
+          <a:p>
+            <a:pPr marL="0" indent="0">
+              <a:buNone/>
+            </a:pPr>
+            <a:r>
+              <a:rPr lang="en-US" dirty="0">
+                <a:latin typeface="Bell MT" panose="02020503060305020303" pitchFamily="18" charset="0"/>
+              </a:rPr>
+              <a:t>REST Countries API is a basic REST API that delivers information about the countries in JSON format. Each country’s data offers essential information, such as the capital city, population, languages, currencies, regions, and country code.</a:t>
+            </a:r>
+            <a:endParaRPr lang="en-IN" dirty="0">
+              <a:latin typeface="Bell MT" panose="02020503060305020303" pitchFamily="18" charset="0"/>
+            </a:endParaRPr>
+          </a:p>
+        </p:txBody>
+      </p:sp>
+    </p:spTree>
+    <p:extLst>
+      <p:ext uri="{BB962C8B-B14F-4D97-AF65-F5344CB8AC3E}">
+        <p14:creationId xmlns:p14="http://schemas.microsoft.com/office/powerpoint/2010/main" val="1510441355"/>
+      </p:ext>
+    </p:extLst>
+  </p:cSld>
+  <p:clrMapOvr>
+    <a:masterClrMapping/>
+  </p:clrMapOvr>
+  <p:transition spd="slow">
+    <p:fade/>
+  </p:transition>
+</p:sld>
+</file>
+
+<file path=ppt/slides/slide7.xml><?xml version="1.0" encoding="utf-8"?>
+<p:sld xmlns:a="http://schemas.openxmlformats.org/drawingml/2006/main" xmlns:r="http://schemas.openxmlformats.org/officeDocument/2006/relationships" xmlns:p="http://schemas.openxmlformats.org/presentationml/2006/main">
+  <p:cSld>
+    <p:spTree>
+      <p:nvGrpSpPr>
+        <p:cNvPr id="1" name=""/>
+        <p:cNvGrpSpPr/>
+        <p:nvPr/>
+      </p:nvGrpSpPr>
+      <p:grpSpPr>
+        <a:xfrm>
+          <a:off x="0" y="0"/>
+          <a:ext cx="0" cy="0"/>
+          <a:chOff x="0" y="0"/>
+          <a:chExt cx="0" cy="0"/>
+        </a:xfrm>
+      </p:grpSpPr>
+      <p:sp>
+        <p:nvSpPr>
+          <p:cNvPr id="2" name="Title 1">
+            <a:extLst>
+              <a:ext uri="{FF2B5EF4-FFF2-40B4-BE49-F238E27FC236}">
+                <a16:creationId xmlns:a16="http://schemas.microsoft.com/office/drawing/2014/main" id="{B895F830-CB64-7B39-4B72-B7B9545F877B}"/>
+              </a:ext>
+            </a:extLst>
+          </p:cNvPr>
+          <p:cNvSpPr>
+            <a:spLocks noGrp="1"/>
+          </p:cNvSpPr>
+          <p:nvPr>
+            <p:ph type="title"/>
+          </p:nvPr>
+        </p:nvSpPr>
+        <p:spPr/>
+        <p:txBody>
+          <a:bodyPr/>
+          <a:lstStyle/>
+          <a:p>
+            <a:r>
+              <a:rPr lang="en-US" dirty="0">
+                <a:latin typeface="Bell MT" panose="02020503060305020303" pitchFamily="18" charset="0"/>
+              </a:rPr>
+              <a:t>Model-View-Controller (MVC) Architecture</a:t>
+            </a:r>
+            <a:endParaRPr lang="en-IN" dirty="0">
+              <a:latin typeface="Bell MT" panose="02020503060305020303" pitchFamily="18" charset="0"/>
+            </a:endParaRPr>
+          </a:p>
+        </p:txBody>
+      </p:sp>
+      <p:sp>
+        <p:nvSpPr>
+          <p:cNvPr id="3" name="Content Placeholder 2">
+            <a:extLst>
+              <a:ext uri="{FF2B5EF4-FFF2-40B4-BE49-F238E27FC236}">
+                <a16:creationId xmlns:a16="http://schemas.microsoft.com/office/drawing/2014/main" id="{BDFE11CB-2013-B31D-7C07-A5A4C4F4DC1E}"/>
+              </a:ext>
+            </a:extLst>
+          </p:cNvPr>
+          <p:cNvSpPr>
+            <a:spLocks noGrp="1"/>
+          </p:cNvSpPr>
+          <p:nvPr>
+            <p:ph idx="1"/>
+          </p:nvPr>
+        </p:nvSpPr>
+        <p:spPr>
+          <a:xfrm>
+            <a:off x="838200" y="1825625"/>
+            <a:ext cx="8969188" cy="4351338"/>
+          </a:xfrm>
+        </p:spPr>
+        <p:txBody>
+          <a:bodyPr>
+            <a:normAutofit/>
+          </a:bodyPr>
+          <a:lstStyle/>
+          <a:p>
+            <a:pPr marL="0" indent="0">
+              <a:buNone/>
+            </a:pPr>
+            <a:r>
+              <a:rPr lang="en-US" dirty="0">
+                <a:latin typeface="Bell MT" panose="02020503060305020303" pitchFamily="18" charset="0"/>
+              </a:rPr>
+              <a:t>Model component corresponds to all the data-related logic that the user works with.</a:t>
+            </a:r>
+          </a:p>
+          <a:p>
+            <a:pPr marL="0" indent="0">
+              <a:buNone/>
+            </a:pPr>
+            <a:r>
+              <a:rPr lang="en-US" dirty="0">
+                <a:latin typeface="Bell MT" panose="02020503060305020303" pitchFamily="18" charset="0"/>
+              </a:rPr>
+              <a:t>View component is used for all the UI logic of the application.</a:t>
+            </a:r>
+          </a:p>
+          <a:p>
+            <a:pPr marL="0" indent="0">
+              <a:buNone/>
+            </a:pPr>
+            <a:r>
+              <a:rPr lang="en-US" dirty="0">
+                <a:latin typeface="Bell MT" panose="02020503060305020303" pitchFamily="18" charset="0"/>
+              </a:rPr>
+              <a:t>Controllers act as an interface between Model and View components to process all the business logic and incoming requests, manipulate data using the Model component and interact with the Views to render the final output.</a:t>
+            </a:r>
+          </a:p>
+          <a:p>
+            <a:pPr marL="0" indent="0">
+              <a:buNone/>
+            </a:pPr>
+            <a:r>
+              <a:rPr lang="en-US" dirty="0">
+                <a:latin typeface="Bell MT" panose="02020503060305020303" pitchFamily="18" charset="0"/>
+              </a:rPr>
+              <a:t>Now, let us look at the code.</a:t>
+            </a:r>
+            <a:endParaRPr lang="en-IN" dirty="0">
+              <a:latin typeface="Bell MT" panose="02020503060305020303" pitchFamily="18" charset="0"/>
+            </a:endParaRPr>
+          </a:p>
+        </p:txBody>
+      </p:sp>
+      <p:pic>
+        <p:nvPicPr>
+          <p:cNvPr id="5" name="Picture 4">
+            <a:extLst>
+              <a:ext uri="{FF2B5EF4-FFF2-40B4-BE49-F238E27FC236}">
+                <a16:creationId xmlns:a16="http://schemas.microsoft.com/office/drawing/2014/main" id="{AAB885D0-E6F5-66F2-589A-12FB1CD1DE42}"/>
+              </a:ext>
+            </a:extLst>
+          </p:cNvPr>
+          <p:cNvPicPr>
+            <a:picLocks noChangeAspect="1"/>
+          </p:cNvPicPr>
+          <p:nvPr/>
+        </p:nvPicPr>
+        <p:blipFill>
+          <a:blip r:embed="rId2"/>
+          <a:stretch>
+            <a:fillRect/>
+          </a:stretch>
+        </p:blipFill>
+        <p:spPr>
+          <a:xfrm>
+            <a:off x="10048938" y="2516047"/>
+            <a:ext cx="1980327" cy="2970493"/>
+          </a:xfrm>
+          <a:prstGeom prst="rect">
+            <a:avLst/>
+          </a:prstGeom>
+        </p:spPr>
+      </p:pic>
+    </p:spTree>
+    <p:extLst>
+      <p:ext uri="{BB962C8B-B14F-4D97-AF65-F5344CB8AC3E}">
+        <p14:creationId xmlns:p14="http://schemas.microsoft.com/office/powerpoint/2010/main" val="2184689046"/>
+      </p:ext>
+    </p:extLst>
+  </p:cSld>
+  <p:clrMapOvr>
+    <a:masterClrMapping/>
+  </p:clrMapOvr>
+  <p:transition spd="slow">
+    <p:fade/>
+  </p:transition>
+</p:sld>
+</file>
+
+<file path=ppt/slides/slide8.xml><?xml version="1.0" encoding="utf-8"?>
 <p:sld xmlns:a="http://schemas.openxmlformats.org/drawingml/2006/main" xmlns:r="http://schemas.openxmlformats.org/officeDocument/2006/relationships" xmlns:p="http://schemas.openxmlformats.org/presentationml/2006/main">
   <p:cSld>
     <p:spTree>
@@ -3892,10 +5010,13 @@
   <p:clrMapOvr>
     <a:masterClrMapping/>
   </p:clrMapOvr>
+  <p:transition spd="slow">
+    <p:fade/>
+  </p:transition>
 </p:sld>
 </file>
 
-<file path=ppt/slides/slide7.xml><?xml version="1.0" encoding="utf-8"?>
+<file path=ppt/slides/slide9.xml><?xml version="1.0" encoding="utf-8"?>
 <p:sld xmlns:a="http://schemas.openxmlformats.org/drawingml/2006/main" xmlns:r="http://schemas.openxmlformats.org/officeDocument/2006/relationships" xmlns:p="http://schemas.openxmlformats.org/presentationml/2006/main">
   <p:cSld>
     <p:spTree>
@@ -3912,16 +5033,49 @@
           <a:chExt cx="0" cy="0"/>
         </a:xfrm>
       </p:grpSpPr>
+      <p:pic>
+        <p:nvPicPr>
+          <p:cNvPr id="3" name="Picture 2">
+            <a:extLst>
+              <a:ext uri="{FF2B5EF4-FFF2-40B4-BE49-F238E27FC236}">
+                <a16:creationId xmlns:a16="http://schemas.microsoft.com/office/drawing/2014/main" id="{7F369120-B054-476B-EA6A-DFB628237830}"/>
+              </a:ext>
+            </a:extLst>
+          </p:cNvPr>
+          <p:cNvPicPr>
+            <a:picLocks noChangeAspect="1"/>
+          </p:cNvPicPr>
+          <p:nvPr/>
+        </p:nvPicPr>
+        <p:blipFill>
+          <a:blip r:embed="rId2"/>
+          <a:stretch>
+            <a:fillRect/>
+          </a:stretch>
+        </p:blipFill>
+        <p:spPr>
+          <a:xfrm>
+            <a:off x="4048125" y="1728787"/>
+            <a:ext cx="4095750" cy="3400425"/>
+          </a:xfrm>
+          <a:prstGeom prst="rect">
+            <a:avLst/>
+          </a:prstGeom>
+        </p:spPr>
+      </p:pic>
     </p:spTree>
     <p:extLst>
       <p:ext uri="{BB962C8B-B14F-4D97-AF65-F5344CB8AC3E}">
-        <p14:creationId xmlns:p14="http://schemas.microsoft.com/office/powerpoint/2010/main" val="2298277681"/>
+        <p14:creationId xmlns:p14="http://schemas.microsoft.com/office/powerpoint/2010/main" val="668647363"/>
       </p:ext>
     </p:extLst>
   </p:cSld>
   <p:clrMapOvr>
     <a:masterClrMapping/>
   </p:clrMapOvr>
+  <p:transition spd="slow">
+    <p:fade/>
+  </p:transition>
 </p:sld>
 </file>
 
